--- a/Flower Recognition.pptx
+++ b/Flower Recognition.pptx
@@ -172,7 +172,7 @@
 <file path=ppt/revisionInfo.xml><?xml version="1.0" encoding="utf-8"?>
 <p1510:revInfo xmlns:a="http://schemas.openxmlformats.org/drawingml/2006/main" xmlns:r="http://schemas.openxmlformats.org/officeDocument/2006/relationships" xmlns:p1510="http://schemas.microsoft.com/office/powerpoint/2015/10/main">
   <p1510:revLst>
-    <p1510:client id="{AE070B2D-7222-4A9C-9A3E-AB5FE523DD17}" v="381" dt="2023-07-31T22:44:33.917"/>
+    <p1510:client id="{B5573D97-193F-49FF-A117-9267D2CC4161}" v="1" dt="2023-08-03T17:19:41.801"/>
   </p1510:revLst>
 </p1510:revInfo>
 </file>
@@ -3689,7 +3689,7 @@
           <a:p>
             <a:fld id="{9CA3E65E-D5FC-4D58-9B76-E0D96DDD7C17}" type="datetimeFigureOut">
               <a:rPr lang="en-IN" smtClean="0"/>
-              <a:t>02-08-2023</a:t>
+              <a:t>03-08-2023</a:t>
             </a:fld>
             <a:endParaRPr lang="en-IN"/>
           </a:p>
@@ -3891,7 +3891,7 @@
           <a:p>
             <a:fld id="{9CA3E65E-D5FC-4D58-9B76-E0D96DDD7C17}" type="datetimeFigureOut">
               <a:rPr lang="en-IN" smtClean="0"/>
-              <a:t>02-08-2023</a:t>
+              <a:t>03-08-2023</a:t>
             </a:fld>
             <a:endParaRPr lang="en-IN"/>
           </a:p>
@@ -4071,7 +4071,7 @@
           <a:p>
             <a:fld id="{9CA3E65E-D5FC-4D58-9B76-E0D96DDD7C17}" type="datetimeFigureOut">
               <a:rPr lang="en-IN" smtClean="0"/>
-              <a:t>02-08-2023</a:t>
+              <a:t>03-08-2023</a:t>
             </a:fld>
             <a:endParaRPr lang="en-IN"/>
           </a:p>
@@ -4241,7 +4241,7 @@
           <a:p>
             <a:fld id="{9CA3E65E-D5FC-4D58-9B76-E0D96DDD7C17}" type="datetimeFigureOut">
               <a:rPr lang="en-IN" smtClean="0"/>
-              <a:t>02-08-2023</a:t>
+              <a:t>03-08-2023</a:t>
             </a:fld>
             <a:endParaRPr lang="en-IN"/>
           </a:p>
@@ -4807,7 +4807,7 @@
           <a:p>
             <a:fld id="{9CA3E65E-D5FC-4D58-9B76-E0D96DDD7C17}" type="datetimeFigureOut">
               <a:rPr lang="en-IN" smtClean="0"/>
-              <a:t>02-08-2023</a:t>
+              <a:t>03-08-2023</a:t>
             </a:fld>
             <a:endParaRPr lang="en-IN"/>
           </a:p>
@@ -5109,7 +5109,7 @@
           <a:p>
             <a:fld id="{9CA3E65E-D5FC-4D58-9B76-E0D96DDD7C17}" type="datetimeFigureOut">
               <a:rPr lang="en-IN" smtClean="0"/>
-              <a:t>02-08-2023</a:t>
+              <a:t>03-08-2023</a:t>
             </a:fld>
             <a:endParaRPr lang="en-IN"/>
           </a:p>
@@ -5546,7 +5546,7 @@
           <a:p>
             <a:fld id="{9CA3E65E-D5FC-4D58-9B76-E0D96DDD7C17}" type="datetimeFigureOut">
               <a:rPr lang="en-IN" smtClean="0"/>
-              <a:t>02-08-2023</a:t>
+              <a:t>03-08-2023</a:t>
             </a:fld>
             <a:endParaRPr lang="en-IN"/>
           </a:p>
@@ -5664,7 +5664,7 @@
           <a:p>
             <a:fld id="{9CA3E65E-D5FC-4D58-9B76-E0D96DDD7C17}" type="datetimeFigureOut">
               <a:rPr lang="en-IN" smtClean="0"/>
-              <a:t>02-08-2023</a:t>
+              <a:t>03-08-2023</a:t>
             </a:fld>
             <a:endParaRPr lang="en-IN"/>
           </a:p>
@@ -5759,7 +5759,7 @@
           <a:p>
             <a:fld id="{9CA3E65E-D5FC-4D58-9B76-E0D96DDD7C17}" type="datetimeFigureOut">
               <a:rPr lang="en-IN" smtClean="0"/>
-              <a:t>02-08-2023</a:t>
+              <a:t>03-08-2023</a:t>
             </a:fld>
             <a:endParaRPr lang="en-IN"/>
           </a:p>
@@ -6141,7 +6141,7 @@
           <a:p>
             <a:fld id="{9CA3E65E-D5FC-4D58-9B76-E0D96DDD7C17}" type="datetimeFigureOut">
               <a:rPr lang="en-IN" smtClean="0"/>
-              <a:t>02-08-2023</a:t>
+              <a:t>03-08-2023</a:t>
             </a:fld>
             <a:endParaRPr lang="en-IN"/>
           </a:p>
@@ -6535,7 +6535,7 @@
           <a:p>
             <a:fld id="{9CA3E65E-D5FC-4D58-9B76-E0D96DDD7C17}" type="datetimeFigureOut">
               <a:rPr lang="en-IN" smtClean="0"/>
-              <a:t>02-08-2023</a:t>
+              <a:t>03-08-2023</a:t>
             </a:fld>
             <a:endParaRPr lang="en-IN"/>
           </a:p>
@@ -6855,7 +6855,7 @@
           <a:p>
             <a:fld id="{9CA3E65E-D5FC-4D58-9B76-E0D96DDD7C17}" type="datetimeFigureOut">
               <a:rPr lang="en-IN" smtClean="0"/>
-              <a:t>02-08-2023</a:t>
+              <a:t>03-08-2023</a:t>
             </a:fld>
             <a:endParaRPr lang="en-IN"/>
           </a:p>
@@ -9629,35 +9629,6 @@
           </a:p>
         </p:txBody>
       </p:sp>
-      <p:pic>
-        <p:nvPicPr>
-          <p:cNvPr id="4" name="Picture 3">
-            <a:extLst>
-              <a:ext uri="{FF2B5EF4-FFF2-40B4-BE49-F238E27FC236}">
-                <a16:creationId xmlns:a16="http://schemas.microsoft.com/office/drawing/2014/main" id="{4D265D17-DD3F-69F5-9189-2DEC47131EA4}"/>
-              </a:ext>
-            </a:extLst>
-          </p:cNvPr>
-          <p:cNvPicPr>
-            <a:picLocks noChangeAspect="1"/>
-          </p:cNvPicPr>
-          <p:nvPr/>
-        </p:nvPicPr>
-        <p:blipFill rotWithShape="1">
-          <a:blip r:embed="rId2"/>
-          <a:srcRect b="7577"/>
-          <a:stretch/>
-        </p:blipFill>
-        <p:spPr>
-          <a:xfrm>
-            <a:off x="442807" y="1323770"/>
-            <a:ext cx="11207046" cy="3783068"/>
-          </a:xfrm>
-          <a:prstGeom prst="rect">
-            <a:avLst/>
-          </a:prstGeom>
-        </p:spPr>
-      </p:pic>
       <p:sp>
         <p:nvSpPr>
           <p:cNvPr id="6" name="TextBox 5">
@@ -9693,6 +9664,36 @@
           </a:p>
         </p:txBody>
       </p:sp>
+      <p:pic>
+        <p:nvPicPr>
+          <p:cNvPr id="2" name="Picture 1">
+            <a:extLst>
+              <a:ext uri="{FF2B5EF4-FFF2-40B4-BE49-F238E27FC236}">
+                <a16:creationId xmlns:a16="http://schemas.microsoft.com/office/drawing/2014/main" id="{C451460F-6785-5FB6-BF8D-78F8602E8BD4}"/>
+              </a:ext>
+            </a:extLst>
+          </p:cNvPr>
+          <p:cNvPicPr>
+            <a:picLocks noChangeAspect="1"/>
+          </p:cNvPicPr>
+          <p:nvPr/>
+        </p:nvPicPr>
+        <p:blipFill>
+          <a:blip r:embed="rId2"/>
+          <a:stretch>
+            <a:fillRect/>
+          </a:stretch>
+        </p:blipFill>
+        <p:spPr>
+          <a:xfrm>
+            <a:off x="724619" y="1526157"/>
+            <a:ext cx="10496342" cy="3546175"/>
+          </a:xfrm>
+          <a:prstGeom prst="rect">
+            <a:avLst/>
+          </a:prstGeom>
+        </p:spPr>
+      </p:pic>
     </p:spTree>
     <p:extLst>
       <p:ext uri="{BB962C8B-B14F-4D97-AF65-F5344CB8AC3E}">
@@ -11299,15 +11300,6 @@
 </file>
 
 <file path=customXml/item1.xml><?xml version="1.0" encoding="utf-8"?>
-<?mso-contentType ?>
-<FormTemplates xmlns="http://schemas.microsoft.com/sharepoint/v3/contenttype/forms">
-  <Display>DocumentLibraryForm</Display>
-  <Edit>DocumentLibraryForm</Edit>
-  <New>DocumentLibraryForm</New>
-</FormTemplates>
-</file>
-
-<file path=customXml/item2.xml><?xml version="1.0" encoding="utf-8"?>
 <ct:contentTypeSchema xmlns:ct="http://schemas.microsoft.com/office/2006/metadata/contentType" xmlns:ma="http://schemas.microsoft.com/office/2006/metadata/properties/metaAttributes" ct:_="" ma:_="" ma:contentTypeName="Document" ma:contentTypeID="0x0101005224C738B72E984EA9E9AEA4A9AE6649" ma:contentTypeVersion="3" ma:contentTypeDescription="Create a new document." ma:contentTypeScope="" ma:versionID="d83eef6495e238fa4c3e721575ed26d9">
   <xsd:schema xmlns:xsd="http://www.w3.org/2001/XMLSchema" xmlns:xs="http://www.w3.org/2001/XMLSchema" xmlns:p="http://schemas.microsoft.com/office/2006/metadata/properties" xmlns:ns3="2252c679-80cc-4430-b610-257fa10daf35" targetNamespace="http://schemas.microsoft.com/office/2006/metadata/properties" ma:root="true" ma:fieldsID="f8c2a44eab6bd530dc9efc758a34065d" ns3:_="">
     <xsd:import namespace="2252c679-80cc-4430-b610-257fa10daf35"/>
@@ -11445,6 +11437,15 @@
 </ct:contentTypeSchema>
 </file>
 
+<file path=customXml/item2.xml><?xml version="1.0" encoding="utf-8"?>
+<?mso-contentType ?>
+<FormTemplates xmlns="http://schemas.microsoft.com/sharepoint/v3/contenttype/forms">
+  <Display>DocumentLibraryForm</Display>
+  <Edit>DocumentLibraryForm</Edit>
+  <New>DocumentLibraryForm</New>
+</FormTemplates>
+</file>
+
 <file path=customXml/item3.xml><?xml version="1.0" encoding="utf-8"?>
 <p:properties xmlns:p="http://schemas.microsoft.com/office/2006/metadata/properties" xmlns:xsi="http://www.w3.org/2001/XMLSchema-instance" xmlns:pc="http://schemas.microsoft.com/office/infopath/2007/PartnerControls">
   <documentManagement/>
@@ -11452,14 +11453,6 @@
 </file>
 
 <file path=customXml/itemProps1.xml><?xml version="1.0" encoding="utf-8"?>
-<ds:datastoreItem xmlns:ds="http://schemas.openxmlformats.org/officeDocument/2006/customXml" ds:itemID="{07FD76EB-2FB2-48EE-A70C-BD1C5D5336C1}">
-  <ds:schemaRefs>
-    <ds:schemaRef ds:uri="http://schemas.microsoft.com/sharepoint/v3/contenttype/forms"/>
-  </ds:schemaRefs>
-</ds:datastoreItem>
-</file>
-
-<file path=customXml/itemProps2.xml><?xml version="1.0" encoding="utf-8"?>
 <ds:datastoreItem xmlns:ds="http://schemas.openxmlformats.org/officeDocument/2006/customXml" ds:itemID="{DFE0CD2B-3418-436A-ADEE-03BFF05932F0}">
   <ds:schemaRefs>
     <ds:schemaRef ds:uri="http://schemas.microsoft.com/office/2006/metadata/contentType"/>
@@ -11477,18 +11470,26 @@
 </ds:datastoreItem>
 </file>
 
+<file path=customXml/itemProps2.xml><?xml version="1.0" encoding="utf-8"?>
+<ds:datastoreItem xmlns:ds="http://schemas.openxmlformats.org/officeDocument/2006/customXml" ds:itemID="{07FD76EB-2FB2-48EE-A70C-BD1C5D5336C1}">
+  <ds:schemaRefs>
+    <ds:schemaRef ds:uri="http://schemas.microsoft.com/sharepoint/v3/contenttype/forms"/>
+  </ds:schemaRefs>
+</ds:datastoreItem>
+</file>
+
 <file path=customXml/itemProps3.xml><?xml version="1.0" encoding="utf-8"?>
 <ds:datastoreItem xmlns:ds="http://schemas.openxmlformats.org/officeDocument/2006/customXml" ds:itemID="{61F00035-FF2D-4F0B-B0D8-47C54ABB314D}">
   <ds:schemaRefs>
-    <ds:schemaRef ds:uri="http://purl.org/dc/elements/1.1/"/>
+    <ds:schemaRef ds:uri="http://purl.org/dc/terms/"/>
     <ds:schemaRef ds:uri="http://schemas.microsoft.com/office/2006/metadata/properties"/>
     <ds:schemaRef ds:uri="http://www.w3.org/XML/1998/namespace"/>
+    <ds:schemaRef ds:uri="2252c679-80cc-4430-b610-257fa10daf35"/>
+    <ds:schemaRef ds:uri="http://purl.org/dc/elements/1.1/"/>
     <ds:schemaRef ds:uri="http://schemas.microsoft.com/office/2006/documentManagement/types"/>
-    <ds:schemaRef ds:uri="2252c679-80cc-4430-b610-257fa10daf35"/>
-    <ds:schemaRef ds:uri="http://purl.org/dc/dcmitype/"/>
     <ds:schemaRef ds:uri="http://schemas.microsoft.com/office/infopath/2007/PartnerControls"/>
     <ds:schemaRef ds:uri="http://schemas.openxmlformats.org/package/2006/metadata/core-properties"/>
-    <ds:schemaRef ds:uri="http://purl.org/dc/terms/"/>
+    <ds:schemaRef ds:uri="http://purl.org/dc/dcmitype/"/>
   </ds:schemaRefs>
 </ds:datastoreItem>
 </file>
--- a/Flower Recognition.pptx
+++ b/Flower Recognition.pptx
@@ -134,15 +134,14 @@
             <p14:sldId id="279"/>
             <p14:sldId id="281"/>
             <p14:sldId id="284"/>
+            <p14:sldId id="285"/>
           </p14:sldIdLst>
         </p14:section>
         <p14:section name="Model Comparison" id="{0B9189B0-3135-4E83-9631-A361D58B5117}">
           <p14:sldIdLst/>
         </p14:section>
         <p14:section name="Flask App" id="{930D3FFE-1717-4251-8402-ECF439766D67}">
-          <p14:sldIdLst>
-            <p14:sldId id="285"/>
-          </p14:sldIdLst>
+          <p14:sldIdLst/>
         </p14:section>
         <p14:section name="Appendix Slides" id="{0E69855C-7770-41EF-8DDC-B93759E8FB35}">
           <p14:sldIdLst>
@@ -172,7 +171,7 @@
 <file path=ppt/revisionInfo.xml><?xml version="1.0" encoding="utf-8"?>
 <p1510:revInfo xmlns:a="http://schemas.openxmlformats.org/drawingml/2006/main" xmlns:r="http://schemas.openxmlformats.org/officeDocument/2006/relationships" xmlns:p1510="http://schemas.microsoft.com/office/powerpoint/2015/10/main">
   <p1510:revLst>
-    <p1510:client id="{B5573D97-193F-49FF-A117-9267D2CC4161}" v="1" dt="2023-08-03T17:19:41.801"/>
+    <p1510:client id="{B5573D97-193F-49FF-A117-9267D2CC4161}" v="2" dt="2023-08-03T17:46:51.283"/>
   </p1510:revLst>
 </p1510:revInfo>
 </file>
@@ -9097,7 +9096,7 @@
         </p:nvSpPr>
         <p:spPr>
           <a:xfrm>
-            <a:off x="595437" y="862642"/>
+            <a:off x="474668" y="748841"/>
             <a:ext cx="2257682" cy="5360317"/>
           </a:xfrm>
           <a:prstGeom prst="rect">
@@ -9149,15 +9148,11 @@
           <a:bodyPr anchor="ctr"/>
           <a:lstStyle/>
           <a:p>
-            <a:pPr algn="ctr"/>
-            <a:r>
-              <a:rPr lang="en-IN" sz="1800" kern="1200" dirty="0">
-                <a:solidFill>
-                  <a:schemeClr val="tx1"/>
-                </a:solidFill>
-              </a:rPr>
-              <a:t>Data Collection</a:t>
-            </a:r>
+            <a:endParaRPr lang="en-IN" sz="1800" kern="1200" dirty="0">
+              <a:solidFill>
+                <a:schemeClr val="tx1"/>
+              </a:solidFill>
+            </a:endParaRPr>
           </a:p>
         </p:txBody>
       </p:sp>
@@ -9191,6 +9186,157 @@
           </a:graphicData>
         </a:graphic>
       </p:graphicFrame>
+      <p:sp>
+        <p:nvSpPr>
+          <p:cNvPr id="2" name="TextBox 1">
+            <a:extLst>
+              <a:ext uri="{FF2B5EF4-FFF2-40B4-BE49-F238E27FC236}">
+                <a16:creationId xmlns:a16="http://schemas.microsoft.com/office/drawing/2014/main" id="{5E0F4947-406C-3F8C-566A-697AAE4B0263}"/>
+              </a:ext>
+            </a:extLst>
+          </p:cNvPr>
+          <p:cNvSpPr txBox="1"/>
+          <p:nvPr/>
+        </p:nvSpPr>
+        <p:spPr>
+          <a:xfrm>
+            <a:off x="676073" y="1483744"/>
+            <a:ext cx="2056277" cy="4247317"/>
+          </a:xfrm>
+          <a:prstGeom prst="rect">
+            <a:avLst/>
+          </a:prstGeom>
+          <a:noFill/>
+        </p:spPr>
+        <p:txBody>
+          <a:bodyPr wrap="square" rtlCol="0">
+            <a:spAutoFit/>
+          </a:bodyPr>
+          <a:lstStyle/>
+          <a:p>
+            <a:r>
+              <a:rPr lang="en-CA" dirty="0"/>
+              <a:t>Data Collection:</a:t>
+            </a:r>
+          </a:p>
+          <a:p>
+            <a:endParaRPr lang="en-CA" dirty="0"/>
+          </a:p>
+          <a:p>
+            <a:endParaRPr lang="en-CA" dirty="0"/>
+          </a:p>
+          <a:p>
+            <a:pPr algn="l">
+              <a:buFont typeface="Arial" panose="020B0604020202020204" pitchFamily="34" charset="0"/>
+              <a:buChar char="•"/>
+            </a:pPr>
+            <a:r>
+              <a:rPr lang="en-CA" dirty="0"/>
+              <a:t> Bougainvillea</a:t>
+            </a:r>
+          </a:p>
+          <a:p>
+            <a:pPr algn="l">
+              <a:buFont typeface="Arial" panose="020B0604020202020204" pitchFamily="34" charset="0"/>
+              <a:buChar char="•"/>
+            </a:pPr>
+            <a:r>
+              <a:rPr lang="en-CA" dirty="0"/>
+              <a:t> Daffodil</a:t>
+            </a:r>
+          </a:p>
+          <a:p>
+            <a:pPr algn="l">
+              <a:buFont typeface="Arial" panose="020B0604020202020204" pitchFamily="34" charset="0"/>
+              <a:buChar char="•"/>
+            </a:pPr>
+            <a:r>
+              <a:rPr lang="en-CA" dirty="0"/>
+              <a:t> Dahlia</a:t>
+            </a:r>
+          </a:p>
+          <a:p>
+            <a:pPr algn="l">
+              <a:buFont typeface="Arial" panose="020B0604020202020204" pitchFamily="34" charset="0"/>
+              <a:buChar char="•"/>
+            </a:pPr>
+            <a:r>
+              <a:rPr lang="en-CA" dirty="0"/>
+              <a:t> Foxglove</a:t>
+            </a:r>
+          </a:p>
+          <a:p>
+            <a:pPr algn="l">
+              <a:buFont typeface="Arial" panose="020B0604020202020204" pitchFamily="34" charset="0"/>
+              <a:buChar char="•"/>
+            </a:pPr>
+            <a:r>
+              <a:rPr lang="en-CA" dirty="0"/>
+              <a:t> Hibiscus</a:t>
+            </a:r>
+          </a:p>
+          <a:p>
+            <a:pPr algn="l">
+              <a:buFont typeface="Arial" panose="020B0604020202020204" pitchFamily="34" charset="0"/>
+              <a:buChar char="•"/>
+            </a:pPr>
+            <a:r>
+              <a:rPr lang="en-CA" dirty="0"/>
+              <a:t> Hydrangea</a:t>
+            </a:r>
+          </a:p>
+          <a:p>
+            <a:pPr algn="l">
+              <a:buFont typeface="Arial" panose="020B0604020202020204" pitchFamily="34" charset="0"/>
+              <a:buChar char="•"/>
+            </a:pPr>
+            <a:r>
+              <a:rPr lang="en-CA" dirty="0"/>
+              <a:t> Orchid</a:t>
+            </a:r>
+          </a:p>
+          <a:p>
+            <a:pPr algn="l">
+              <a:buFont typeface="Arial" panose="020B0604020202020204" pitchFamily="34" charset="0"/>
+              <a:buChar char="•"/>
+            </a:pPr>
+            <a:r>
+              <a:rPr lang="en-CA" dirty="0"/>
+              <a:t> Rose</a:t>
+            </a:r>
+          </a:p>
+          <a:p>
+            <a:pPr algn="l">
+              <a:buFont typeface="Arial" panose="020B0604020202020204" pitchFamily="34" charset="0"/>
+              <a:buChar char="•"/>
+            </a:pPr>
+            <a:r>
+              <a:rPr lang="en-CA" dirty="0"/>
+              <a:t> Sunflower</a:t>
+            </a:r>
+          </a:p>
+          <a:p>
+            <a:pPr algn="l">
+              <a:buFont typeface="Arial" panose="020B0604020202020204" pitchFamily="34" charset="0"/>
+              <a:buChar char="•"/>
+            </a:pPr>
+            <a:r>
+              <a:rPr lang="en-CA" dirty="0"/>
+              <a:t> Tulip</a:t>
+            </a:r>
+          </a:p>
+          <a:p>
+            <a:pPr marL="285750" indent="-285750">
+              <a:buFont typeface="Arial" panose="020B0604020202020204" pitchFamily="34" charset="0"/>
+              <a:buChar char="•"/>
+            </a:pPr>
+            <a:endParaRPr lang="en-CA" dirty="0"/>
+          </a:p>
+          <a:p>
+            <a:endParaRPr lang="en-CA" dirty="0"/>
+          </a:p>
+        </p:txBody>
+      </p:sp>
     </p:spTree>
     <p:extLst>
       <p:ext uri="{BB962C8B-B14F-4D97-AF65-F5344CB8AC3E}">
@@ -9591,8 +9737,8 @@
         </p:nvSpPr>
         <p:spPr>
           <a:xfrm>
-            <a:off x="442807" y="330876"/>
-            <a:ext cx="6094562" cy="646331"/>
+            <a:off x="468686" y="534687"/>
+            <a:ext cx="11435767" cy="646331"/>
           </a:xfrm>
           <a:prstGeom prst="rect">
             <a:avLst/>
@@ -9623,7 +9769,7 @@
                 <a:ea typeface="+mn-ea"/>
                 <a:cs typeface="+mn-cs"/>
               </a:rPr>
-              <a:t>Model Architecture</a:t>
+              <a:t>Model Architecture: Convolutional Neural Network</a:t>
             </a:r>
             <a:endParaRPr lang="en-CA" sz="1200" dirty="0"/>
           </a:p>
@@ -11300,6 +11446,15 @@
 </file>
 
 <file path=customXml/item1.xml><?xml version="1.0" encoding="utf-8"?>
+<?mso-contentType ?>
+<FormTemplates xmlns="http://schemas.microsoft.com/sharepoint/v3/contenttype/forms">
+  <Display>DocumentLibraryForm</Display>
+  <Edit>DocumentLibraryForm</Edit>
+  <New>DocumentLibraryForm</New>
+</FormTemplates>
+</file>
+
+<file path=customXml/item2.xml><?xml version="1.0" encoding="utf-8"?>
 <ct:contentTypeSchema xmlns:ct="http://schemas.microsoft.com/office/2006/metadata/contentType" xmlns:ma="http://schemas.microsoft.com/office/2006/metadata/properties/metaAttributes" ct:_="" ma:_="" ma:contentTypeName="Document" ma:contentTypeID="0x0101005224C738B72E984EA9E9AEA4A9AE6649" ma:contentTypeVersion="3" ma:contentTypeDescription="Create a new document." ma:contentTypeScope="" ma:versionID="d83eef6495e238fa4c3e721575ed26d9">
   <xsd:schema xmlns:xsd="http://www.w3.org/2001/XMLSchema" xmlns:xs="http://www.w3.org/2001/XMLSchema" xmlns:p="http://schemas.microsoft.com/office/2006/metadata/properties" xmlns:ns3="2252c679-80cc-4430-b610-257fa10daf35" targetNamespace="http://schemas.microsoft.com/office/2006/metadata/properties" ma:root="true" ma:fieldsID="f8c2a44eab6bd530dc9efc758a34065d" ns3:_="">
     <xsd:import namespace="2252c679-80cc-4430-b610-257fa10daf35"/>
@@ -11437,15 +11592,6 @@
 </ct:contentTypeSchema>
 </file>
 
-<file path=customXml/item2.xml><?xml version="1.0" encoding="utf-8"?>
-<?mso-contentType ?>
-<FormTemplates xmlns="http://schemas.microsoft.com/sharepoint/v3/contenttype/forms">
-  <Display>DocumentLibraryForm</Display>
-  <Edit>DocumentLibraryForm</Edit>
-  <New>DocumentLibraryForm</New>
-</FormTemplates>
-</file>
-
 <file path=customXml/item3.xml><?xml version="1.0" encoding="utf-8"?>
 <p:properties xmlns:p="http://schemas.microsoft.com/office/2006/metadata/properties" xmlns:xsi="http://www.w3.org/2001/XMLSchema-instance" xmlns:pc="http://schemas.microsoft.com/office/infopath/2007/PartnerControls">
   <documentManagement/>
@@ -11453,6 +11599,14 @@
 </file>
 
 <file path=customXml/itemProps1.xml><?xml version="1.0" encoding="utf-8"?>
+<ds:datastoreItem xmlns:ds="http://schemas.openxmlformats.org/officeDocument/2006/customXml" ds:itemID="{07FD76EB-2FB2-48EE-A70C-BD1C5D5336C1}">
+  <ds:schemaRefs>
+    <ds:schemaRef ds:uri="http://schemas.microsoft.com/sharepoint/v3/contenttype/forms"/>
+  </ds:schemaRefs>
+</ds:datastoreItem>
+</file>
+
+<file path=customXml/itemProps2.xml><?xml version="1.0" encoding="utf-8"?>
 <ds:datastoreItem xmlns:ds="http://schemas.openxmlformats.org/officeDocument/2006/customXml" ds:itemID="{DFE0CD2B-3418-436A-ADEE-03BFF05932F0}">
   <ds:schemaRefs>
     <ds:schemaRef ds:uri="http://schemas.microsoft.com/office/2006/metadata/contentType"/>
@@ -11470,26 +11624,18 @@
 </ds:datastoreItem>
 </file>
 
-<file path=customXml/itemProps2.xml><?xml version="1.0" encoding="utf-8"?>
-<ds:datastoreItem xmlns:ds="http://schemas.openxmlformats.org/officeDocument/2006/customXml" ds:itemID="{07FD76EB-2FB2-48EE-A70C-BD1C5D5336C1}">
-  <ds:schemaRefs>
-    <ds:schemaRef ds:uri="http://schemas.microsoft.com/sharepoint/v3/contenttype/forms"/>
-  </ds:schemaRefs>
-</ds:datastoreItem>
-</file>
-
 <file path=customXml/itemProps3.xml><?xml version="1.0" encoding="utf-8"?>
 <ds:datastoreItem xmlns:ds="http://schemas.openxmlformats.org/officeDocument/2006/customXml" ds:itemID="{61F00035-FF2D-4F0B-B0D8-47C54ABB314D}">
   <ds:schemaRefs>
+    <ds:schemaRef ds:uri="http://purl.org/dc/dcmitype/"/>
+    <ds:schemaRef ds:uri="2252c679-80cc-4430-b610-257fa10daf35"/>
+    <ds:schemaRef ds:uri="http://schemas.microsoft.com/office/2006/metadata/properties"/>
+    <ds:schemaRef ds:uri="http://schemas.microsoft.com/office/infopath/2007/PartnerControls"/>
+    <ds:schemaRef ds:uri="http://schemas.microsoft.com/office/2006/documentManagement/types"/>
+    <ds:schemaRef ds:uri="http://purl.org/dc/elements/1.1/"/>
+    <ds:schemaRef ds:uri="http://schemas.openxmlformats.org/package/2006/metadata/core-properties"/>
+    <ds:schemaRef ds:uri="http://www.w3.org/XML/1998/namespace"/>
     <ds:schemaRef ds:uri="http://purl.org/dc/terms/"/>
-    <ds:schemaRef ds:uri="http://schemas.microsoft.com/office/2006/metadata/properties"/>
-    <ds:schemaRef ds:uri="http://www.w3.org/XML/1998/namespace"/>
-    <ds:schemaRef ds:uri="2252c679-80cc-4430-b610-257fa10daf35"/>
-    <ds:schemaRef ds:uri="http://purl.org/dc/elements/1.1/"/>
-    <ds:schemaRef ds:uri="http://schemas.microsoft.com/office/2006/documentManagement/types"/>
-    <ds:schemaRef ds:uri="http://schemas.microsoft.com/office/infopath/2007/PartnerControls"/>
-    <ds:schemaRef ds:uri="http://schemas.openxmlformats.org/package/2006/metadata/core-properties"/>
-    <ds:schemaRef ds:uri="http://purl.org/dc/dcmitype/"/>
   </ds:schemaRefs>
 </ds:datastoreItem>
 </file>
--- a/Flower Recognition.pptx
+++ b/Flower Recognition.pptx
@@ -8,18 +8,19 @@
     <p:sldId id="274" r:id="rId5"/>
     <p:sldId id="275" r:id="rId6"/>
     <p:sldId id="276" r:id="rId7"/>
-    <p:sldId id="277" r:id="rId8"/>
-    <p:sldId id="257" r:id="rId9"/>
-    <p:sldId id="279" r:id="rId10"/>
-    <p:sldId id="281" r:id="rId11"/>
-    <p:sldId id="284" r:id="rId12"/>
-    <p:sldId id="285" r:id="rId13"/>
-    <p:sldId id="266" r:id="rId14"/>
-    <p:sldId id="269" r:id="rId15"/>
-    <p:sldId id="267" r:id="rId16"/>
-    <p:sldId id="268" r:id="rId17"/>
-    <p:sldId id="278" r:id="rId18"/>
-    <p:sldId id="282" r:id="rId19"/>
+    <p:sldId id="286" r:id="rId8"/>
+    <p:sldId id="277" r:id="rId9"/>
+    <p:sldId id="257" r:id="rId10"/>
+    <p:sldId id="279" r:id="rId11"/>
+    <p:sldId id="281" r:id="rId12"/>
+    <p:sldId id="284" r:id="rId13"/>
+    <p:sldId id="285" r:id="rId14"/>
+    <p:sldId id="266" r:id="rId15"/>
+    <p:sldId id="269" r:id="rId16"/>
+    <p:sldId id="267" r:id="rId17"/>
+    <p:sldId id="268" r:id="rId18"/>
+    <p:sldId id="278" r:id="rId19"/>
+    <p:sldId id="282" r:id="rId20"/>
   </p:sldIdLst>
   <p:sldSz cx="12192000" cy="6858000"/>
   <p:notesSz cx="6858000" cy="9144000"/>
@@ -129,6 +130,7 @@
             <p14:sldId id="274"/>
             <p14:sldId id="275"/>
             <p14:sldId id="276"/>
+            <p14:sldId id="286"/>
             <p14:sldId id="277"/>
             <p14:sldId id="257"/>
             <p14:sldId id="279"/>
@@ -171,7 +173,7 @@
 <file path=ppt/revisionInfo.xml><?xml version="1.0" encoding="utf-8"?>
 <p1510:revInfo xmlns:a="http://schemas.openxmlformats.org/drawingml/2006/main" xmlns:r="http://schemas.openxmlformats.org/officeDocument/2006/relationships" xmlns:p1510="http://schemas.microsoft.com/office/powerpoint/2015/10/main">
   <p1510:revLst>
-    <p1510:client id="{B5573D97-193F-49FF-A117-9267D2CC4161}" v="2" dt="2023-08-03T17:46:51.283"/>
+    <p1510:client id="{B5573D97-193F-49FF-A117-9267D2CC4161}" v="11" dt="2023-08-03T21:14:02.826"/>
   </p1510:revLst>
 </p1510:revInfo>
 </file>
@@ -1119,10 +1121,10 @@
         <a:lstStyle/>
         <a:p>
           <a:r>
-            <a:rPr lang="en-US" b="0" i="0" baseline="0"/>
+            <a:rPr lang="en-US" b="0" i="0" baseline="0" dirty="0"/>
             <a:t>Google Images: Web scraping (Selenium and Chrome driver). </a:t>
           </a:r>
-          <a:endParaRPr lang="en-US"/>
+          <a:endParaRPr lang="en-US" dirty="0"/>
         </a:p>
       </dgm:t>
     </dgm:pt>
@@ -1590,10 +1592,10 @@
             <a:buNone/>
           </a:pPr>
           <a:r>
-            <a:rPr lang="en-US" sz="2500" b="0" i="0" kern="1200" baseline="0"/>
+            <a:rPr lang="en-US" sz="2500" b="0" i="0" kern="1200" baseline="0" dirty="0"/>
             <a:t>Google Images: Web scraping (Selenium and Chrome driver). </a:t>
           </a:r>
-          <a:endParaRPr lang="en-US" sz="2500" kern="1200"/>
+          <a:endParaRPr lang="en-US" sz="2500" kern="1200" dirty="0"/>
         </a:p>
       </dsp:txBody>
       <dsp:txXfrm>
@@ -7556,88 +7558,12 @@
           <a:chExt cx="0" cy="0"/>
         </a:xfrm>
       </p:grpSpPr>
-      <p:sp>
-        <p:nvSpPr>
-          <p:cNvPr id="2" name="Title 1">
+      <p:pic>
+        <p:nvPicPr>
+          <p:cNvPr id="3" name="Picture 2">
             <a:extLst>
               <a:ext uri="{FF2B5EF4-FFF2-40B4-BE49-F238E27FC236}">
-                <a16:creationId xmlns:a16="http://schemas.microsoft.com/office/drawing/2014/main" id="{5E62D608-174C-2C19-3F7A-BCFDBC887B18}"/>
-              </a:ext>
-            </a:extLst>
-          </p:cNvPr>
-          <p:cNvSpPr>
-            <a:spLocks noGrp="1"/>
-          </p:cNvSpPr>
-          <p:nvPr>
-            <p:ph type="title"/>
-          </p:nvPr>
-        </p:nvSpPr>
-        <p:spPr>
-          <a:xfrm>
-            <a:off x="8014996" y="642594"/>
-            <a:ext cx="3732244" cy="1371600"/>
-          </a:xfrm>
-        </p:spPr>
-        <p:txBody>
-          <a:bodyPr>
-            <a:normAutofit/>
-          </a:bodyPr>
-          <a:lstStyle/>
-          <a:p>
-            <a:pPr algn="ctr"/>
-            <a:r>
-              <a:rPr lang="en-IN" sz="4400" dirty="0">
-                <a:solidFill>
-                  <a:schemeClr val="tx1"/>
-                </a:solidFill>
-              </a:rPr>
-              <a:t>For Accuracy 62</a:t>
-            </a:r>
-          </a:p>
-        </p:txBody>
-      </p:sp>
-      <p:sp>
-        <p:nvSpPr>
-          <p:cNvPr id="15" name="Content Placeholder 14">
-            <a:extLst>
-              <a:ext uri="{FF2B5EF4-FFF2-40B4-BE49-F238E27FC236}">
-                <a16:creationId xmlns:a16="http://schemas.microsoft.com/office/drawing/2014/main" id="{6388BDC3-C278-71F0-8E92-4AA8460F845D}"/>
-              </a:ext>
-            </a:extLst>
-          </p:cNvPr>
-          <p:cNvSpPr>
-            <a:spLocks noGrp="1"/>
-          </p:cNvSpPr>
-          <p:nvPr>
-            <p:ph idx="1"/>
-          </p:nvPr>
-        </p:nvSpPr>
-        <p:spPr>
-          <a:xfrm>
-            <a:off x="8014995" y="2103119"/>
-            <a:ext cx="3732245" cy="4109953"/>
-          </a:xfrm>
-        </p:spPr>
-        <p:txBody>
-          <a:bodyPr>
-            <a:normAutofit/>
-          </a:bodyPr>
-          <a:lstStyle/>
-          <a:p>
-            <a:endParaRPr lang="en-US" sz="1600" dirty="0">
-              <a:solidFill>
-                <a:srgbClr val="FFFFFF"/>
-              </a:solidFill>
-            </a:endParaRPr>
-          </a:p>
-        </p:txBody>
-      </p:sp>
-      <p:pic>
-        <p:nvPicPr>
-          <p:cNvPr id="11" name="Picture 10" descr="A graph with blue and red lines&#10;&#10;Description automatically generated">
-            <a:extLst>
-              <a:ext uri="{FF2B5EF4-FFF2-40B4-BE49-F238E27FC236}">
-                <a16:creationId xmlns:a16="http://schemas.microsoft.com/office/drawing/2014/main" id="{22C996EB-9626-6C71-DA1F-4129FCAEB31C}"/>
+                <a16:creationId xmlns:a16="http://schemas.microsoft.com/office/drawing/2014/main" id="{8AABB5C0-982C-B222-4FB4-6F75DA2CF11D}"/>
               </a:ext>
             </a:extLst>
           </p:cNvPr>
@@ -7647,21 +7573,15 @@
           <p:nvPr/>
         </p:nvPicPr>
         <p:blipFill>
-          <a:blip r:embed="rId2">
-            <a:extLst>
-              <a:ext uri="{28A0092B-C50C-407E-A947-70E740481C1C}">
-                <a14:useLocalDpi xmlns:a14="http://schemas.microsoft.com/office/drawing/2010/main" val="0"/>
-              </a:ext>
-            </a:extLst>
-          </a:blip>
+          <a:blip r:embed="rId2"/>
           <a:stretch>
             <a:fillRect/>
           </a:stretch>
         </p:blipFill>
         <p:spPr>
           <a:xfrm>
-            <a:off x="798460" y="1130372"/>
-            <a:ext cx="3044697" cy="2306357"/>
+            <a:off x="6238156" y="979493"/>
+            <a:ext cx="4516699" cy="5175245"/>
           </a:xfrm>
           <a:prstGeom prst="rect">
             <a:avLst/>
@@ -7670,10 +7590,10 @@
       </p:pic>
       <p:pic>
         <p:nvPicPr>
-          <p:cNvPr id="9" name="Picture 8" descr="A screenshot of a table&#10;&#10;Description automatically generated">
+          <p:cNvPr id="5" name="Picture 4">
             <a:extLst>
               <a:ext uri="{FF2B5EF4-FFF2-40B4-BE49-F238E27FC236}">
-                <a16:creationId xmlns:a16="http://schemas.microsoft.com/office/drawing/2014/main" id="{49240496-1A8D-58B2-DC3A-7C5B4768A9C4}"/>
+                <a16:creationId xmlns:a16="http://schemas.microsoft.com/office/drawing/2014/main" id="{1E00E7F6-A69A-BD54-7A76-6AB232D0811C}"/>
               </a:ext>
             </a:extLst>
           </p:cNvPr>
@@ -7683,102 +7603,95 @@
           <p:nvPr/>
         </p:nvPicPr>
         <p:blipFill>
-          <a:blip r:embed="rId3">
-            <a:extLst>
-              <a:ext uri="{28A0092B-C50C-407E-A947-70E740481C1C}">
-                <a14:useLocalDpi xmlns:a14="http://schemas.microsoft.com/office/drawing/2010/main" val="0"/>
-              </a:ext>
-            </a:extLst>
-          </a:blip>
+          <a:blip r:embed="rId3"/>
           <a:stretch>
             <a:fillRect/>
           </a:stretch>
         </p:blipFill>
         <p:spPr>
           <a:xfrm>
-            <a:off x="4323497" y="816464"/>
-            <a:ext cx="2434338" cy="1801410"/>
+            <a:off x="1216498" y="979493"/>
+            <a:ext cx="4632359" cy="5112950"/>
           </a:xfrm>
           <a:prstGeom prst="rect">
             <a:avLst/>
           </a:prstGeom>
         </p:spPr>
       </p:pic>
-      <p:pic>
-        <p:nvPicPr>
-          <p:cNvPr id="7" name="Picture 6" descr="A screenshot of a crossword puzzle&#10;&#10;Description automatically generated">
+      <p:sp>
+        <p:nvSpPr>
+          <p:cNvPr id="7" name="TextBox 6">
             <a:extLst>
               <a:ext uri="{FF2B5EF4-FFF2-40B4-BE49-F238E27FC236}">
-                <a16:creationId xmlns:a16="http://schemas.microsoft.com/office/drawing/2014/main" id="{9A3BDC8B-D849-25F8-9349-B52A63F4219F}"/>
+                <a16:creationId xmlns:a16="http://schemas.microsoft.com/office/drawing/2014/main" id="{D6E450E1-7246-E506-CBC2-BEC56BAA1229}"/>
               </a:ext>
             </a:extLst>
           </p:cNvPr>
-          <p:cNvPicPr>
-            <a:picLocks noChangeAspect="1"/>
-          </p:cNvPicPr>
+          <p:cNvSpPr txBox="1"/>
           <p:nvPr/>
-        </p:nvPicPr>
-        <p:blipFill rotWithShape="1">
-          <a:blip r:embed="rId4">
-            <a:extLst>
-              <a:ext uri="{28A0092B-C50C-407E-A947-70E740481C1C}">
-                <a14:useLocalDpi xmlns:a14="http://schemas.microsoft.com/office/drawing/2010/main" val="0"/>
-              </a:ext>
-            </a:extLst>
-          </a:blip>
-          <a:srcRect r="47216"/>
-          <a:stretch/>
-        </p:blipFill>
+        </p:nvSpPr>
         <p:spPr>
           <a:xfrm>
-            <a:off x="966945" y="4088215"/>
-            <a:ext cx="2331930" cy="2099823"/>
+            <a:off x="2324237" y="391558"/>
+            <a:ext cx="2170125" cy="369332"/>
           </a:xfrm>
           <a:prstGeom prst="rect">
             <a:avLst/>
           </a:prstGeom>
+          <a:noFill/>
         </p:spPr>
-      </p:pic>
-      <p:pic>
-        <p:nvPicPr>
-          <p:cNvPr id="5" name="Content Placeholder 4" descr="A graph with blue and orange lines&#10;&#10;Description automatically generated">
+        <p:txBody>
+          <a:bodyPr wrap="square">
+            <a:spAutoFit/>
+          </a:bodyPr>
+          <a:lstStyle/>
+          <a:p>
+            <a:r>
+              <a:rPr lang="en-CA" sz="1800" dirty="0"/>
+              <a:t>Accuracy : 76</a:t>
+            </a:r>
+          </a:p>
+        </p:txBody>
+      </p:sp>
+      <p:sp>
+        <p:nvSpPr>
+          <p:cNvPr id="9" name="TextBox 8">
             <a:extLst>
               <a:ext uri="{FF2B5EF4-FFF2-40B4-BE49-F238E27FC236}">
-                <a16:creationId xmlns:a16="http://schemas.microsoft.com/office/drawing/2014/main" id="{682B5014-50DC-722C-9198-B4AD46490B8B}"/>
+                <a16:creationId xmlns:a16="http://schemas.microsoft.com/office/drawing/2014/main" id="{6A36E3EF-798E-CA53-D70A-58492C133A48}"/>
               </a:ext>
             </a:extLst>
           </p:cNvPr>
-          <p:cNvPicPr>
-            <a:picLocks noChangeAspect="1"/>
-          </p:cNvPicPr>
+          <p:cNvSpPr txBox="1"/>
           <p:nvPr/>
-        </p:nvPicPr>
-        <p:blipFill>
-          <a:blip r:embed="rId5">
-            <a:extLst>
-              <a:ext uri="{28A0092B-C50C-407E-A947-70E740481C1C}">
-                <a14:useLocalDpi xmlns:a14="http://schemas.microsoft.com/office/drawing/2010/main" val="0"/>
-              </a:ext>
-            </a:extLst>
-          </a:blip>
-          <a:stretch>
-            <a:fillRect/>
-          </a:stretch>
-        </p:blipFill>
+        </p:nvSpPr>
         <p:spPr>
           <a:xfrm>
-            <a:off x="4323497" y="3652614"/>
-            <a:ext cx="2434338" cy="1844010"/>
+            <a:off x="7351862" y="391558"/>
+            <a:ext cx="2289288" cy="369332"/>
           </a:xfrm>
           <a:prstGeom prst="rect">
             <a:avLst/>
           </a:prstGeom>
+          <a:noFill/>
         </p:spPr>
-      </p:pic>
+        <p:txBody>
+          <a:bodyPr wrap="square">
+            <a:spAutoFit/>
+          </a:bodyPr>
+          <a:lstStyle/>
+          <a:p>
+            <a:r>
+              <a:rPr lang="en-CA" sz="1800" dirty="0"/>
+              <a:t>Accuracy : 79</a:t>
+            </a:r>
+          </a:p>
+        </p:txBody>
+      </p:sp>
     </p:spTree>
     <p:extLst>
       <p:ext uri="{BB962C8B-B14F-4D97-AF65-F5344CB8AC3E}">
-        <p14:creationId xmlns:p14="http://schemas.microsoft.com/office/powerpoint/2010/main" val="2835346873"/>
+        <p14:creationId xmlns:p14="http://schemas.microsoft.com/office/powerpoint/2010/main" val="1885295554"/>
       </p:ext>
     </p:extLst>
   </p:cSld>
@@ -7810,7 +7723,7 @@
           <p:cNvPr id="2" name="Title 1">
             <a:extLst>
               <a:ext uri="{FF2B5EF4-FFF2-40B4-BE49-F238E27FC236}">
-                <a16:creationId xmlns:a16="http://schemas.microsoft.com/office/drawing/2014/main" id="{64D8A822-4C16-81D9-600F-D8A2D5F911F9}"/>
+                <a16:creationId xmlns:a16="http://schemas.microsoft.com/office/drawing/2014/main" id="{5E62D608-174C-2C19-3F7A-BCFDBC887B18}"/>
               </a:ext>
             </a:extLst>
           </p:cNvPr>
@@ -7840,7 +7753,7 @@
                   <a:schemeClr val="tx1"/>
                 </a:solidFill>
               </a:rPr>
-              <a:t>For Accuracy 70</a:t>
+              <a:t>For Accuracy 62</a:t>
             </a:r>
           </a:p>
         </p:txBody>
@@ -7850,7 +7763,7 @@
           <p:cNvPr id="15" name="Content Placeholder 14">
             <a:extLst>
               <a:ext uri="{FF2B5EF4-FFF2-40B4-BE49-F238E27FC236}">
-                <a16:creationId xmlns:a16="http://schemas.microsoft.com/office/drawing/2014/main" id="{0ACDA986-C041-4751-9C60-4613AF4129FD}"/>
+                <a16:creationId xmlns:a16="http://schemas.microsoft.com/office/drawing/2014/main" id="{6388BDC3-C278-71F0-8E92-4AA8460F845D}"/>
               </a:ext>
             </a:extLst>
           </p:cNvPr>
@@ -7873,7 +7786,7 @@
           </a:bodyPr>
           <a:lstStyle/>
           <a:p>
-            <a:endParaRPr lang="en-US" sz="1600">
+            <a:endParaRPr lang="en-US" sz="1600" dirty="0">
               <a:solidFill>
                 <a:srgbClr val="FFFFFF"/>
               </a:solidFill>
@@ -7883,10 +7796,10 @@
       </p:sp>
       <p:pic>
         <p:nvPicPr>
-          <p:cNvPr id="11" name="Picture 10" descr="A graph of loss and loss&#10;&#10;Description automatically generated">
+          <p:cNvPr id="11" name="Picture 10" descr="A graph with blue and red lines&#10;&#10;Description automatically generated">
             <a:extLst>
               <a:ext uri="{FF2B5EF4-FFF2-40B4-BE49-F238E27FC236}">
-                <a16:creationId xmlns:a16="http://schemas.microsoft.com/office/drawing/2014/main" id="{B14497D1-6A6D-14A0-A247-71D0487BC8D4}"/>
+                <a16:creationId xmlns:a16="http://schemas.microsoft.com/office/drawing/2014/main" id="{22C996EB-9626-6C71-DA1F-4129FCAEB31C}"/>
               </a:ext>
             </a:extLst>
           </p:cNvPr>
@@ -7909,8 +7822,8 @@
         </p:blipFill>
         <p:spPr>
           <a:xfrm>
-            <a:off x="798460" y="1149401"/>
-            <a:ext cx="3044697" cy="2268299"/>
+            <a:off x="798460" y="1130372"/>
+            <a:ext cx="3044697" cy="2306357"/>
           </a:xfrm>
           <a:prstGeom prst="rect">
             <a:avLst/>
@@ -7919,10 +7832,10 @@
       </p:pic>
       <p:pic>
         <p:nvPicPr>
-          <p:cNvPr id="9" name="Picture 8" descr="A table of numbers with text&#10;&#10;Description automatically generated">
+          <p:cNvPr id="9" name="Picture 8" descr="A screenshot of a table&#10;&#10;Description automatically generated">
             <a:extLst>
               <a:ext uri="{FF2B5EF4-FFF2-40B4-BE49-F238E27FC236}">
-                <a16:creationId xmlns:a16="http://schemas.microsoft.com/office/drawing/2014/main" id="{50187005-A6A6-73EB-E394-4E6DC6E0B85D}"/>
+                <a16:creationId xmlns:a16="http://schemas.microsoft.com/office/drawing/2014/main" id="{49240496-1A8D-58B2-DC3A-7C5B4768A9C4}"/>
               </a:ext>
             </a:extLst>
           </p:cNvPr>
@@ -7945,8 +7858,8 @@
         </p:blipFill>
         <p:spPr>
           <a:xfrm>
-            <a:off x="4323497" y="819508"/>
-            <a:ext cx="2434338" cy="1795323"/>
+            <a:off x="4323497" y="816464"/>
+            <a:ext cx="2434338" cy="1801410"/>
           </a:xfrm>
           <a:prstGeom prst="rect">
             <a:avLst/>
@@ -7955,10 +7868,10 @@
       </p:pic>
       <p:pic>
         <p:nvPicPr>
-          <p:cNvPr id="7" name="Picture 6" descr="A screenshot of a computer&#10;&#10;Description automatically generated">
+          <p:cNvPr id="7" name="Picture 6" descr="A screenshot of a crossword puzzle&#10;&#10;Description automatically generated">
             <a:extLst>
               <a:ext uri="{FF2B5EF4-FFF2-40B4-BE49-F238E27FC236}">
-                <a16:creationId xmlns:a16="http://schemas.microsoft.com/office/drawing/2014/main" id="{10FBC287-473D-8EBB-7924-53B7BCA8BB8E}"/>
+                <a16:creationId xmlns:a16="http://schemas.microsoft.com/office/drawing/2014/main" id="{9A3BDC8B-D849-25F8-9349-B52A63F4219F}"/>
               </a:ext>
             </a:extLst>
           </p:cNvPr>
@@ -7975,13 +7888,13 @@
               </a:ext>
             </a:extLst>
           </a:blip>
-          <a:srcRect r="47230"/>
+          <a:srcRect r="47216"/>
           <a:stretch/>
         </p:blipFill>
         <p:spPr>
           <a:xfrm>
-            <a:off x="1189330" y="4017268"/>
-            <a:ext cx="2229972" cy="2112913"/>
+            <a:off x="966945" y="4088215"/>
+            <a:ext cx="2331930" cy="2099823"/>
           </a:xfrm>
           <a:prstGeom prst="rect">
             <a:avLst/>
@@ -7990,10 +7903,10 @@
       </p:pic>
       <p:pic>
         <p:nvPicPr>
-          <p:cNvPr id="5" name="Content Placeholder 4" descr="A graph of a graph showing a graph&#10;&#10;Description automatically generated">
+          <p:cNvPr id="5" name="Content Placeholder 4" descr="A graph with blue and orange lines&#10;&#10;Description automatically generated">
             <a:extLst>
               <a:ext uri="{FF2B5EF4-FFF2-40B4-BE49-F238E27FC236}">
-                <a16:creationId xmlns:a16="http://schemas.microsoft.com/office/drawing/2014/main" id="{5C298385-5361-E305-B7AE-E55766073466}"/>
+                <a16:creationId xmlns:a16="http://schemas.microsoft.com/office/drawing/2014/main" id="{682B5014-50DC-722C-9198-B4AD46490B8B}"/>
               </a:ext>
             </a:extLst>
           </p:cNvPr>
@@ -8027,7 +7940,7 @@
     </p:spTree>
     <p:extLst>
       <p:ext uri="{BB962C8B-B14F-4D97-AF65-F5344CB8AC3E}">
-        <p14:creationId xmlns:p14="http://schemas.microsoft.com/office/powerpoint/2010/main" val="322905268"/>
+        <p14:creationId xmlns:p14="http://schemas.microsoft.com/office/powerpoint/2010/main" val="2835346873"/>
       </p:ext>
     </p:extLst>
   </p:cSld>
@@ -8059,7 +7972,7 @@
           <p:cNvPr id="2" name="Title 1">
             <a:extLst>
               <a:ext uri="{FF2B5EF4-FFF2-40B4-BE49-F238E27FC236}">
-                <a16:creationId xmlns:a16="http://schemas.microsoft.com/office/drawing/2014/main" id="{E650F991-6C90-72D6-572C-02CA77B55753}"/>
+                <a16:creationId xmlns:a16="http://schemas.microsoft.com/office/drawing/2014/main" id="{64D8A822-4C16-81D9-600F-D8A2D5F911F9}"/>
               </a:ext>
             </a:extLst>
           </p:cNvPr>
@@ -8089,7 +8002,7 @@
                   <a:schemeClr val="tx1"/>
                 </a:solidFill>
               </a:rPr>
-              <a:t>For Accuracy 76</a:t>
+              <a:t>For Accuracy 70</a:t>
             </a:r>
           </a:p>
         </p:txBody>
@@ -8099,7 +8012,7 @@
           <p:cNvPr id="15" name="Content Placeholder 14">
             <a:extLst>
               <a:ext uri="{FF2B5EF4-FFF2-40B4-BE49-F238E27FC236}">
-                <a16:creationId xmlns:a16="http://schemas.microsoft.com/office/drawing/2014/main" id="{266E925A-63B9-98C5-1D61-A74576DEAF75}"/>
+                <a16:creationId xmlns:a16="http://schemas.microsoft.com/office/drawing/2014/main" id="{0ACDA986-C041-4751-9C60-4613AF4129FD}"/>
               </a:ext>
             </a:extLst>
           </p:cNvPr>
@@ -8132,10 +8045,10 @@
       </p:sp>
       <p:pic>
         <p:nvPicPr>
-          <p:cNvPr id="11" name="Picture 10" descr="A graph with blue and orange lines&#10;&#10;Description automatically generated">
+          <p:cNvPr id="11" name="Picture 10" descr="A graph of loss and loss&#10;&#10;Description automatically generated">
             <a:extLst>
               <a:ext uri="{FF2B5EF4-FFF2-40B4-BE49-F238E27FC236}">
-                <a16:creationId xmlns:a16="http://schemas.microsoft.com/office/drawing/2014/main" id="{F8F62B20-614E-6004-DD07-456605583F74}"/>
+                <a16:creationId xmlns:a16="http://schemas.microsoft.com/office/drawing/2014/main" id="{B14497D1-6A6D-14A0-A247-71D0487BC8D4}"/>
               </a:ext>
             </a:extLst>
           </p:cNvPr>
@@ -8158,8 +8071,8 @@
         </p:blipFill>
         <p:spPr>
           <a:xfrm>
-            <a:off x="798460" y="1111342"/>
-            <a:ext cx="3044697" cy="2344417"/>
+            <a:off x="798460" y="1149401"/>
+            <a:ext cx="3044697" cy="2268299"/>
           </a:xfrm>
           <a:prstGeom prst="rect">
             <a:avLst/>
@@ -8168,10 +8081,10 @@
       </p:pic>
       <p:pic>
         <p:nvPicPr>
-          <p:cNvPr id="5" name="Content Placeholder 4" descr="A graph with blue and orange lines&#10;&#10;Description automatically generated">
+          <p:cNvPr id="9" name="Picture 8" descr="A table of numbers with text&#10;&#10;Description automatically generated">
             <a:extLst>
               <a:ext uri="{FF2B5EF4-FFF2-40B4-BE49-F238E27FC236}">
-                <a16:creationId xmlns:a16="http://schemas.microsoft.com/office/drawing/2014/main" id="{FF847C02-D198-2085-F626-C33C6F2435F9}"/>
+                <a16:creationId xmlns:a16="http://schemas.microsoft.com/office/drawing/2014/main" id="{50187005-A6A6-73EB-E394-4E6DC6E0B85D}"/>
               </a:ext>
             </a:extLst>
           </p:cNvPr>
@@ -8194,8 +8107,8 @@
         </p:blipFill>
         <p:spPr>
           <a:xfrm>
-            <a:off x="4340285" y="810882"/>
-            <a:ext cx="2400761" cy="1812575"/>
+            <a:off x="4323497" y="819508"/>
+            <a:ext cx="2434338" cy="1795323"/>
           </a:xfrm>
           <a:prstGeom prst="rect">
             <a:avLst/>
@@ -8204,10 +8117,10 @@
       </p:pic>
       <p:pic>
         <p:nvPicPr>
-          <p:cNvPr id="9" name="Picture 8" descr="A screenshot of a table&#10;&#10;Description automatically generated">
+          <p:cNvPr id="7" name="Picture 6" descr="A screenshot of a computer&#10;&#10;Description automatically generated">
             <a:extLst>
               <a:ext uri="{FF2B5EF4-FFF2-40B4-BE49-F238E27FC236}">
-                <a16:creationId xmlns:a16="http://schemas.microsoft.com/office/drawing/2014/main" id="{31CCC105-1610-1EBA-33C7-D0C9B334F603}"/>
+                <a16:creationId xmlns:a16="http://schemas.microsoft.com/office/drawing/2014/main" id="{10FBC287-473D-8EBB-7924-53B7BCA8BB8E}"/>
               </a:ext>
             </a:extLst>
           </p:cNvPr>
@@ -8216,7 +8129,7 @@
           </p:cNvPicPr>
           <p:nvPr/>
         </p:nvPicPr>
-        <p:blipFill>
+        <p:blipFill rotWithShape="1">
           <a:blip r:embed="rId4">
             <a:extLst>
               <a:ext uri="{28A0092B-C50C-407E-A947-70E740481C1C}">
@@ -8224,14 +8137,13 @@
               </a:ext>
             </a:extLst>
           </a:blip>
-          <a:stretch>
-            <a:fillRect/>
-          </a:stretch>
+          <a:srcRect r="47230"/>
+          <a:stretch/>
         </p:blipFill>
         <p:spPr>
           <a:xfrm>
-            <a:off x="949573" y="4279769"/>
-            <a:ext cx="2742471" cy="1762038"/>
+            <a:off x="1189330" y="4017268"/>
+            <a:ext cx="2229972" cy="2112913"/>
           </a:xfrm>
           <a:prstGeom prst="rect">
             <a:avLst/>
@@ -8240,10 +8152,10 @@
       </p:pic>
       <p:pic>
         <p:nvPicPr>
-          <p:cNvPr id="7" name="Picture 6" descr="A screenshot of a graph&#10;&#10;Description automatically generated">
+          <p:cNvPr id="5" name="Content Placeholder 4" descr="A graph of a graph showing a graph&#10;&#10;Description automatically generated">
             <a:extLst>
               <a:ext uri="{FF2B5EF4-FFF2-40B4-BE49-F238E27FC236}">
-                <a16:creationId xmlns:a16="http://schemas.microsoft.com/office/drawing/2014/main" id="{1162DFA7-8554-A2F4-E6D7-B68D83B2605F}"/>
+                <a16:creationId xmlns:a16="http://schemas.microsoft.com/office/drawing/2014/main" id="{5C298385-5361-E305-B7AE-E55766073466}"/>
               </a:ext>
             </a:extLst>
           </p:cNvPr>
@@ -8266,8 +8178,8 @@
         </p:blipFill>
         <p:spPr>
           <a:xfrm>
-            <a:off x="4323497" y="3300097"/>
-            <a:ext cx="2434338" cy="2549044"/>
+            <a:off x="4323497" y="3652614"/>
+            <a:ext cx="2434338" cy="1844010"/>
           </a:xfrm>
           <a:prstGeom prst="rect">
             <a:avLst/>
@@ -8277,7 +8189,7 @@
     </p:spTree>
     <p:extLst>
       <p:ext uri="{BB962C8B-B14F-4D97-AF65-F5344CB8AC3E}">
-        <p14:creationId xmlns:p14="http://schemas.microsoft.com/office/powerpoint/2010/main" val="3890476245"/>
+        <p14:creationId xmlns:p14="http://schemas.microsoft.com/office/powerpoint/2010/main" val="322905268"/>
       </p:ext>
     </p:extLst>
   </p:cSld>
@@ -8309,6 +8221,256 @@
           <p:cNvPr id="2" name="Title 1">
             <a:extLst>
               <a:ext uri="{FF2B5EF4-FFF2-40B4-BE49-F238E27FC236}">
+                <a16:creationId xmlns:a16="http://schemas.microsoft.com/office/drawing/2014/main" id="{E650F991-6C90-72D6-572C-02CA77B55753}"/>
+              </a:ext>
+            </a:extLst>
+          </p:cNvPr>
+          <p:cNvSpPr>
+            <a:spLocks noGrp="1"/>
+          </p:cNvSpPr>
+          <p:nvPr>
+            <p:ph type="title"/>
+          </p:nvPr>
+        </p:nvSpPr>
+        <p:spPr>
+          <a:xfrm>
+            <a:off x="8014996" y="642594"/>
+            <a:ext cx="3732244" cy="1371600"/>
+          </a:xfrm>
+        </p:spPr>
+        <p:txBody>
+          <a:bodyPr>
+            <a:normAutofit/>
+          </a:bodyPr>
+          <a:lstStyle/>
+          <a:p>
+            <a:pPr algn="ctr"/>
+            <a:r>
+              <a:rPr lang="en-IN" sz="4400" dirty="0">
+                <a:solidFill>
+                  <a:schemeClr val="tx1"/>
+                </a:solidFill>
+              </a:rPr>
+              <a:t>For Accuracy 76</a:t>
+            </a:r>
+          </a:p>
+        </p:txBody>
+      </p:sp>
+      <p:sp>
+        <p:nvSpPr>
+          <p:cNvPr id="15" name="Content Placeholder 14">
+            <a:extLst>
+              <a:ext uri="{FF2B5EF4-FFF2-40B4-BE49-F238E27FC236}">
+                <a16:creationId xmlns:a16="http://schemas.microsoft.com/office/drawing/2014/main" id="{266E925A-63B9-98C5-1D61-A74576DEAF75}"/>
+              </a:ext>
+            </a:extLst>
+          </p:cNvPr>
+          <p:cNvSpPr>
+            <a:spLocks noGrp="1"/>
+          </p:cNvSpPr>
+          <p:nvPr>
+            <p:ph idx="1"/>
+          </p:nvPr>
+        </p:nvSpPr>
+        <p:spPr>
+          <a:xfrm>
+            <a:off x="8014995" y="2103119"/>
+            <a:ext cx="3732245" cy="4109953"/>
+          </a:xfrm>
+        </p:spPr>
+        <p:txBody>
+          <a:bodyPr>
+            <a:normAutofit/>
+          </a:bodyPr>
+          <a:lstStyle/>
+          <a:p>
+            <a:endParaRPr lang="en-US" sz="1600">
+              <a:solidFill>
+                <a:srgbClr val="FFFFFF"/>
+              </a:solidFill>
+            </a:endParaRPr>
+          </a:p>
+        </p:txBody>
+      </p:sp>
+      <p:pic>
+        <p:nvPicPr>
+          <p:cNvPr id="11" name="Picture 10" descr="A graph with blue and orange lines&#10;&#10;Description automatically generated">
+            <a:extLst>
+              <a:ext uri="{FF2B5EF4-FFF2-40B4-BE49-F238E27FC236}">
+                <a16:creationId xmlns:a16="http://schemas.microsoft.com/office/drawing/2014/main" id="{F8F62B20-614E-6004-DD07-456605583F74}"/>
+              </a:ext>
+            </a:extLst>
+          </p:cNvPr>
+          <p:cNvPicPr>
+            <a:picLocks noChangeAspect="1"/>
+          </p:cNvPicPr>
+          <p:nvPr/>
+        </p:nvPicPr>
+        <p:blipFill>
+          <a:blip r:embed="rId2">
+            <a:extLst>
+              <a:ext uri="{28A0092B-C50C-407E-A947-70E740481C1C}">
+                <a14:useLocalDpi xmlns:a14="http://schemas.microsoft.com/office/drawing/2010/main" val="0"/>
+              </a:ext>
+            </a:extLst>
+          </a:blip>
+          <a:stretch>
+            <a:fillRect/>
+          </a:stretch>
+        </p:blipFill>
+        <p:spPr>
+          <a:xfrm>
+            <a:off x="798460" y="1111342"/>
+            <a:ext cx="3044697" cy="2344417"/>
+          </a:xfrm>
+          <a:prstGeom prst="rect">
+            <a:avLst/>
+          </a:prstGeom>
+        </p:spPr>
+      </p:pic>
+      <p:pic>
+        <p:nvPicPr>
+          <p:cNvPr id="5" name="Content Placeholder 4" descr="A graph with blue and orange lines&#10;&#10;Description automatically generated">
+            <a:extLst>
+              <a:ext uri="{FF2B5EF4-FFF2-40B4-BE49-F238E27FC236}">
+                <a16:creationId xmlns:a16="http://schemas.microsoft.com/office/drawing/2014/main" id="{FF847C02-D198-2085-F626-C33C6F2435F9}"/>
+              </a:ext>
+            </a:extLst>
+          </p:cNvPr>
+          <p:cNvPicPr>
+            <a:picLocks noChangeAspect="1"/>
+          </p:cNvPicPr>
+          <p:nvPr/>
+        </p:nvPicPr>
+        <p:blipFill>
+          <a:blip r:embed="rId3">
+            <a:extLst>
+              <a:ext uri="{28A0092B-C50C-407E-A947-70E740481C1C}">
+                <a14:useLocalDpi xmlns:a14="http://schemas.microsoft.com/office/drawing/2010/main" val="0"/>
+              </a:ext>
+            </a:extLst>
+          </a:blip>
+          <a:stretch>
+            <a:fillRect/>
+          </a:stretch>
+        </p:blipFill>
+        <p:spPr>
+          <a:xfrm>
+            <a:off x="4340285" y="810882"/>
+            <a:ext cx="2400761" cy="1812575"/>
+          </a:xfrm>
+          <a:prstGeom prst="rect">
+            <a:avLst/>
+          </a:prstGeom>
+        </p:spPr>
+      </p:pic>
+      <p:pic>
+        <p:nvPicPr>
+          <p:cNvPr id="9" name="Picture 8" descr="A screenshot of a table&#10;&#10;Description automatically generated">
+            <a:extLst>
+              <a:ext uri="{FF2B5EF4-FFF2-40B4-BE49-F238E27FC236}">
+                <a16:creationId xmlns:a16="http://schemas.microsoft.com/office/drawing/2014/main" id="{31CCC105-1610-1EBA-33C7-D0C9B334F603}"/>
+              </a:ext>
+            </a:extLst>
+          </p:cNvPr>
+          <p:cNvPicPr>
+            <a:picLocks noChangeAspect="1"/>
+          </p:cNvPicPr>
+          <p:nvPr/>
+        </p:nvPicPr>
+        <p:blipFill>
+          <a:blip r:embed="rId4">
+            <a:extLst>
+              <a:ext uri="{28A0092B-C50C-407E-A947-70E740481C1C}">
+                <a14:useLocalDpi xmlns:a14="http://schemas.microsoft.com/office/drawing/2010/main" val="0"/>
+              </a:ext>
+            </a:extLst>
+          </a:blip>
+          <a:stretch>
+            <a:fillRect/>
+          </a:stretch>
+        </p:blipFill>
+        <p:spPr>
+          <a:xfrm>
+            <a:off x="949573" y="4279769"/>
+            <a:ext cx="2742471" cy="1762038"/>
+          </a:xfrm>
+          <a:prstGeom prst="rect">
+            <a:avLst/>
+          </a:prstGeom>
+        </p:spPr>
+      </p:pic>
+      <p:pic>
+        <p:nvPicPr>
+          <p:cNvPr id="7" name="Picture 6" descr="A screenshot of a graph&#10;&#10;Description automatically generated">
+            <a:extLst>
+              <a:ext uri="{FF2B5EF4-FFF2-40B4-BE49-F238E27FC236}">
+                <a16:creationId xmlns:a16="http://schemas.microsoft.com/office/drawing/2014/main" id="{1162DFA7-8554-A2F4-E6D7-B68D83B2605F}"/>
+              </a:ext>
+            </a:extLst>
+          </p:cNvPr>
+          <p:cNvPicPr>
+            <a:picLocks noChangeAspect="1"/>
+          </p:cNvPicPr>
+          <p:nvPr/>
+        </p:nvPicPr>
+        <p:blipFill>
+          <a:blip r:embed="rId5">
+            <a:extLst>
+              <a:ext uri="{28A0092B-C50C-407E-A947-70E740481C1C}">
+                <a14:useLocalDpi xmlns:a14="http://schemas.microsoft.com/office/drawing/2010/main" val="0"/>
+              </a:ext>
+            </a:extLst>
+          </a:blip>
+          <a:stretch>
+            <a:fillRect/>
+          </a:stretch>
+        </p:blipFill>
+        <p:spPr>
+          <a:xfrm>
+            <a:off x="4323497" y="3300097"/>
+            <a:ext cx="2434338" cy="2549044"/>
+          </a:xfrm>
+          <a:prstGeom prst="rect">
+            <a:avLst/>
+          </a:prstGeom>
+        </p:spPr>
+      </p:pic>
+    </p:spTree>
+    <p:extLst>
+      <p:ext uri="{BB962C8B-B14F-4D97-AF65-F5344CB8AC3E}">
+        <p14:creationId xmlns:p14="http://schemas.microsoft.com/office/powerpoint/2010/main" val="3890476245"/>
+      </p:ext>
+    </p:extLst>
+  </p:cSld>
+  <p:clrMapOvr>
+    <a:masterClrMapping/>
+  </p:clrMapOvr>
+</p:sld>
+</file>
+
+<file path=ppt/slides/slide14.xml><?xml version="1.0" encoding="utf-8"?>
+<p:sld xmlns:a="http://schemas.openxmlformats.org/drawingml/2006/main" xmlns:r="http://schemas.openxmlformats.org/officeDocument/2006/relationships" xmlns:p="http://schemas.openxmlformats.org/presentationml/2006/main">
+  <p:cSld>
+    <p:spTree>
+      <p:nvGrpSpPr>
+        <p:cNvPr id="1" name=""/>
+        <p:cNvGrpSpPr/>
+        <p:nvPr/>
+      </p:nvGrpSpPr>
+      <p:grpSpPr>
+        <a:xfrm>
+          <a:off x="0" y="0"/>
+          <a:ext cx="0" cy="0"/>
+          <a:chOff x="0" y="0"/>
+          <a:chExt cx="0" cy="0"/>
+        </a:xfrm>
+      </p:grpSpPr>
+      <p:sp>
+        <p:nvSpPr>
+          <p:cNvPr id="2" name="Title 1">
+            <a:extLst>
+              <a:ext uri="{FF2B5EF4-FFF2-40B4-BE49-F238E27FC236}">
                 <a16:creationId xmlns:a16="http://schemas.microsoft.com/office/drawing/2014/main" id="{75264CD9-B9CC-2DD8-5C96-370F337F6041}"/>
               </a:ext>
             </a:extLst>
@@ -8537,7 +8699,7 @@
 </p:sld>
 </file>
 
-<file path=ppt/slides/slide14.xml><?xml version="1.0" encoding="utf-8"?>
+<file path=ppt/slides/slide15.xml><?xml version="1.0" encoding="utf-8"?>
 <p:sld xmlns:a="http://schemas.openxmlformats.org/drawingml/2006/main" xmlns:r="http://schemas.openxmlformats.org/officeDocument/2006/relationships" xmlns:p="http://schemas.openxmlformats.org/presentationml/2006/main">
   <p:cSld>
     <p:spTree>
@@ -8819,7 +8981,7 @@
 </p:sld>
 </file>
 
-<file path=ppt/slides/slide15.xml><?xml version="1.0" encoding="utf-8"?>
+<file path=ppt/slides/slide16.xml><?xml version="1.0" encoding="utf-8"?>
 <p:sld xmlns:a="http://schemas.openxmlformats.org/drawingml/2006/main" xmlns:r="http://schemas.openxmlformats.org/officeDocument/2006/relationships" xmlns:p="http://schemas.openxmlformats.org/presentationml/2006/main">
   <p:cSld>
     <p:spTree>
@@ -9215,15 +9377,15 @@
           <a:lstStyle/>
           <a:p>
             <a:r>
-              <a:rPr lang="en-CA" dirty="0"/>
+              <a:rPr lang="en-CA" b="1" dirty="0"/>
               <a:t>Data Collection:</a:t>
             </a:r>
           </a:p>
           <a:p>
-            <a:endParaRPr lang="en-CA" dirty="0"/>
-          </a:p>
-          <a:p>
-            <a:endParaRPr lang="en-CA" dirty="0"/>
+            <a:endParaRPr lang="en-CA" b="1" dirty="0"/>
+          </a:p>
+          <a:p>
+            <a:endParaRPr lang="en-CA" b="1" dirty="0"/>
           </a:p>
           <a:p>
             <a:pPr algn="l">
@@ -9231,7 +9393,7 @@
               <a:buChar char="•"/>
             </a:pPr>
             <a:r>
-              <a:rPr lang="en-CA" dirty="0"/>
+              <a:rPr lang="en-CA" b="1" dirty="0"/>
               <a:t> Bougainvillea</a:t>
             </a:r>
           </a:p>
@@ -9241,7 +9403,7 @@
               <a:buChar char="•"/>
             </a:pPr>
             <a:r>
-              <a:rPr lang="en-CA" dirty="0"/>
+              <a:rPr lang="en-CA" b="1" dirty="0"/>
               <a:t> Daffodil</a:t>
             </a:r>
           </a:p>
@@ -9251,7 +9413,7 @@
               <a:buChar char="•"/>
             </a:pPr>
             <a:r>
-              <a:rPr lang="en-CA" dirty="0"/>
+              <a:rPr lang="en-CA" b="1" dirty="0"/>
               <a:t> Dahlia</a:t>
             </a:r>
           </a:p>
@@ -9261,7 +9423,7 @@
               <a:buChar char="•"/>
             </a:pPr>
             <a:r>
-              <a:rPr lang="en-CA" dirty="0"/>
+              <a:rPr lang="en-CA" b="1" dirty="0"/>
               <a:t> Foxglove</a:t>
             </a:r>
           </a:p>
@@ -9271,7 +9433,7 @@
               <a:buChar char="•"/>
             </a:pPr>
             <a:r>
-              <a:rPr lang="en-CA" dirty="0"/>
+              <a:rPr lang="en-CA" b="1" dirty="0"/>
               <a:t> Hibiscus</a:t>
             </a:r>
           </a:p>
@@ -9281,7 +9443,7 @@
               <a:buChar char="•"/>
             </a:pPr>
             <a:r>
-              <a:rPr lang="en-CA" dirty="0"/>
+              <a:rPr lang="en-CA" b="1" dirty="0"/>
               <a:t> Hydrangea</a:t>
             </a:r>
           </a:p>
@@ -9291,7 +9453,7 @@
               <a:buChar char="•"/>
             </a:pPr>
             <a:r>
-              <a:rPr lang="en-CA" dirty="0"/>
+              <a:rPr lang="en-CA" b="1" dirty="0"/>
               <a:t> Orchid</a:t>
             </a:r>
           </a:p>
@@ -9301,7 +9463,7 @@
               <a:buChar char="•"/>
             </a:pPr>
             <a:r>
-              <a:rPr lang="en-CA" dirty="0"/>
+              <a:rPr lang="en-CA" b="1" dirty="0"/>
               <a:t> Rose</a:t>
             </a:r>
           </a:p>
@@ -9311,7 +9473,7 @@
               <a:buChar char="•"/>
             </a:pPr>
             <a:r>
-              <a:rPr lang="en-CA" dirty="0"/>
+              <a:rPr lang="en-CA" b="1" dirty="0"/>
               <a:t> Sunflower</a:t>
             </a:r>
           </a:p>
@@ -9321,7 +9483,7 @@
               <a:buChar char="•"/>
             </a:pPr>
             <a:r>
-              <a:rPr lang="en-CA" dirty="0"/>
+              <a:rPr lang="en-CA" b="1" dirty="0"/>
               <a:t> Tulip</a:t>
             </a:r>
           </a:p>
@@ -9330,7 +9492,7 @@
               <a:buFont typeface="Arial" panose="020B0604020202020204" pitchFamily="34" charset="0"/>
               <a:buChar char="•"/>
             </a:pPr>
-            <a:endParaRPr lang="en-CA" dirty="0"/>
+            <a:endParaRPr lang="en-CA" b="1" dirty="0"/>
           </a:p>
           <a:p>
             <a:endParaRPr lang="en-CA" dirty="0"/>
@@ -9513,7 +9675,7 @@
                 <a:buNone/>
               </a:pPr>
               <a:r>
-                <a:rPr lang="en-IN" sz="1900" kern="1200" dirty="0">
+                <a:rPr lang="en-IN" sz="1900" b="1" kern="1200" dirty="0">
                   <a:solidFill>
                     <a:schemeClr val="tx1"/>
                   </a:solidFill>
@@ -9723,6 +9885,282 @@
           <a:chExt cx="0" cy="0"/>
         </a:xfrm>
       </p:grpSpPr>
+      <p:pic>
+        <p:nvPicPr>
+          <p:cNvPr id="2" name="Picture 1">
+            <a:extLst>
+              <a:ext uri="{FF2B5EF4-FFF2-40B4-BE49-F238E27FC236}">
+                <a16:creationId xmlns:a16="http://schemas.microsoft.com/office/drawing/2014/main" id="{493A15E9-B2A8-2845-F059-AFE6BE995AE1}"/>
+              </a:ext>
+            </a:extLst>
+          </p:cNvPr>
+          <p:cNvPicPr>
+            <a:picLocks noChangeAspect="1"/>
+          </p:cNvPicPr>
+          <p:nvPr/>
+        </p:nvPicPr>
+        <p:blipFill>
+          <a:blip r:embed="rId2"/>
+          <a:stretch>
+            <a:fillRect/>
+          </a:stretch>
+        </p:blipFill>
+        <p:spPr>
+          <a:xfrm>
+            <a:off x="688009" y="373789"/>
+            <a:ext cx="2103302" cy="5834378"/>
+          </a:xfrm>
+          <a:prstGeom prst="rect">
+            <a:avLst/>
+          </a:prstGeom>
+        </p:spPr>
+      </p:pic>
+      <p:sp>
+        <p:nvSpPr>
+          <p:cNvPr id="3" name="TextBox 2">
+            <a:extLst>
+              <a:ext uri="{FF2B5EF4-FFF2-40B4-BE49-F238E27FC236}">
+                <a16:creationId xmlns:a16="http://schemas.microsoft.com/office/drawing/2014/main" id="{417919AE-6ABC-CD31-F683-671A2BA19ED7}"/>
+              </a:ext>
+            </a:extLst>
+          </p:cNvPr>
+          <p:cNvSpPr txBox="1"/>
+          <p:nvPr/>
+        </p:nvSpPr>
+        <p:spPr>
+          <a:xfrm>
+            <a:off x="831847" y="2644647"/>
+            <a:ext cx="2103302" cy="646331"/>
+          </a:xfrm>
+          <a:prstGeom prst="rect">
+            <a:avLst/>
+          </a:prstGeom>
+          <a:noFill/>
+        </p:spPr>
+        <p:txBody>
+          <a:bodyPr wrap="square" rtlCol="0">
+            <a:spAutoFit/>
+          </a:bodyPr>
+          <a:lstStyle/>
+          <a:p>
+            <a:r>
+              <a:rPr lang="en-CA" b="1" dirty="0"/>
+              <a:t>Data preprocessing</a:t>
+            </a:r>
+          </a:p>
+        </p:txBody>
+      </p:sp>
+      <p:sp>
+        <p:nvSpPr>
+          <p:cNvPr id="5" name="TextBox 4">
+            <a:extLst>
+              <a:ext uri="{FF2B5EF4-FFF2-40B4-BE49-F238E27FC236}">
+                <a16:creationId xmlns:a16="http://schemas.microsoft.com/office/drawing/2014/main" id="{8A7771AD-C23B-C142-E198-A5A349DAE241}"/>
+              </a:ext>
+            </a:extLst>
+          </p:cNvPr>
+          <p:cNvSpPr txBox="1"/>
+          <p:nvPr/>
+        </p:nvSpPr>
+        <p:spPr>
+          <a:xfrm>
+            <a:off x="3226086" y="626724"/>
+            <a:ext cx="4171308" cy="1754326"/>
+          </a:xfrm>
+          <a:prstGeom prst="rect">
+            <a:avLst/>
+          </a:prstGeom>
+          <a:noFill/>
+        </p:spPr>
+        <p:txBody>
+          <a:bodyPr wrap="square" rtlCol="0">
+            <a:spAutoFit/>
+          </a:bodyPr>
+          <a:lstStyle/>
+          <a:p>
+            <a:pPr marL="285750" indent="-285750">
+              <a:buFont typeface="Arial" panose="020B0604020202020204" pitchFamily="34" charset="0"/>
+              <a:buChar char="•"/>
+            </a:pPr>
+            <a:r>
+              <a:rPr lang="en-CA" b="1" dirty="0"/>
+              <a:t>Labeling</a:t>
+            </a:r>
+          </a:p>
+          <a:p>
+            <a:pPr marL="285750" indent="-285750">
+              <a:buFont typeface="Arial" panose="020B0604020202020204" pitchFamily="34" charset="0"/>
+              <a:buChar char="•"/>
+            </a:pPr>
+            <a:r>
+              <a:rPr lang="en-CA" b="1" dirty="0"/>
+              <a:t>Saving as .</a:t>
+            </a:r>
+            <a:r>
+              <a:rPr lang="en-CA" b="1" dirty="0" err="1"/>
+              <a:t>npy</a:t>
+            </a:r>
+            <a:r>
+              <a:rPr lang="en-CA" b="1" dirty="0"/>
+              <a:t> </a:t>
+            </a:r>
+          </a:p>
+          <a:p>
+            <a:pPr marL="285750" indent="-285750">
+              <a:buFont typeface="Arial" panose="020B0604020202020204" pitchFamily="34" charset="0"/>
+              <a:buChar char="•"/>
+            </a:pPr>
+            <a:r>
+              <a:rPr lang="en-CA" b="1" dirty="0"/>
+              <a:t>Resizing</a:t>
+            </a:r>
+          </a:p>
+          <a:p>
+            <a:pPr marL="285750" indent="-285750">
+              <a:buFont typeface="Arial" panose="020B0604020202020204" pitchFamily="34" charset="0"/>
+              <a:buChar char="•"/>
+            </a:pPr>
+            <a:r>
+              <a:rPr lang="en-CA" b="1" dirty="0"/>
+              <a:t>Rescaling</a:t>
+            </a:r>
+          </a:p>
+          <a:p>
+            <a:pPr marL="285750" indent="-285750">
+              <a:buFont typeface="Arial" panose="020B0604020202020204" pitchFamily="34" charset="0"/>
+              <a:buChar char="•"/>
+            </a:pPr>
+            <a:endParaRPr lang="en-CA" dirty="0"/>
+          </a:p>
+          <a:p>
+            <a:pPr marL="285750" indent="-285750">
+              <a:buFont typeface="Arial" panose="020B0604020202020204" pitchFamily="34" charset="0"/>
+              <a:buChar char="•"/>
+            </a:pPr>
+            <a:endParaRPr lang="en-CA" dirty="0"/>
+          </a:p>
+        </p:txBody>
+      </p:sp>
+      <p:pic>
+        <p:nvPicPr>
+          <p:cNvPr id="7" name="Picture 6">
+            <a:extLst>
+              <a:ext uri="{FF2B5EF4-FFF2-40B4-BE49-F238E27FC236}">
+                <a16:creationId xmlns:a16="http://schemas.microsoft.com/office/drawing/2014/main" id="{2ED5790A-7504-C5E2-300B-91815296EC04}"/>
+              </a:ext>
+            </a:extLst>
+          </p:cNvPr>
+          <p:cNvPicPr>
+            <a:picLocks noChangeAspect="1"/>
+          </p:cNvPicPr>
+          <p:nvPr/>
+        </p:nvPicPr>
+        <p:blipFill>
+          <a:blip r:embed="rId3"/>
+          <a:stretch>
+            <a:fillRect/>
+          </a:stretch>
+        </p:blipFill>
+        <p:spPr>
+          <a:xfrm>
+            <a:off x="2935149" y="2331864"/>
+            <a:ext cx="3337779" cy="3355224"/>
+          </a:xfrm>
+          <a:prstGeom prst="rect">
+            <a:avLst/>
+          </a:prstGeom>
+        </p:spPr>
+      </p:pic>
+      <p:pic>
+        <p:nvPicPr>
+          <p:cNvPr id="9" name="Picture 8">
+            <a:extLst>
+              <a:ext uri="{FF2B5EF4-FFF2-40B4-BE49-F238E27FC236}">
+                <a16:creationId xmlns:a16="http://schemas.microsoft.com/office/drawing/2014/main" id="{5DDBDAB6-08F9-9281-F716-D420229B03E2}"/>
+              </a:ext>
+            </a:extLst>
+          </p:cNvPr>
+          <p:cNvPicPr>
+            <a:picLocks noChangeAspect="1"/>
+          </p:cNvPicPr>
+          <p:nvPr/>
+        </p:nvPicPr>
+        <p:blipFill>
+          <a:blip r:embed="rId4"/>
+          <a:stretch>
+            <a:fillRect/>
+          </a:stretch>
+        </p:blipFill>
+        <p:spPr>
+          <a:xfrm>
+            <a:off x="6599300" y="642477"/>
+            <a:ext cx="5095591" cy="2325335"/>
+          </a:xfrm>
+          <a:prstGeom prst="rect">
+            <a:avLst/>
+          </a:prstGeom>
+        </p:spPr>
+      </p:pic>
+      <p:pic>
+        <p:nvPicPr>
+          <p:cNvPr id="11" name="Picture 10">
+            <a:extLst>
+              <a:ext uri="{FF2B5EF4-FFF2-40B4-BE49-F238E27FC236}">
+                <a16:creationId xmlns:a16="http://schemas.microsoft.com/office/drawing/2014/main" id="{B01B0333-19C2-36BC-0E45-A1ECA65F8EED}"/>
+              </a:ext>
+            </a:extLst>
+          </p:cNvPr>
+          <p:cNvPicPr>
+            <a:picLocks noChangeAspect="1"/>
+          </p:cNvPicPr>
+          <p:nvPr/>
+        </p:nvPicPr>
+        <p:blipFill>
+          <a:blip r:embed="rId5"/>
+          <a:stretch>
+            <a:fillRect/>
+          </a:stretch>
+        </p:blipFill>
+        <p:spPr>
+          <a:xfrm>
+            <a:off x="6712260" y="3471900"/>
+            <a:ext cx="4791731" cy="2759376"/>
+          </a:xfrm>
+          <a:prstGeom prst="rect">
+            <a:avLst/>
+          </a:prstGeom>
+        </p:spPr>
+      </p:pic>
+    </p:spTree>
+    <p:extLst>
+      <p:ext uri="{BB962C8B-B14F-4D97-AF65-F5344CB8AC3E}">
+        <p14:creationId xmlns:p14="http://schemas.microsoft.com/office/powerpoint/2010/main" val="894357486"/>
+      </p:ext>
+    </p:extLst>
+  </p:cSld>
+  <p:clrMapOvr>
+    <a:masterClrMapping/>
+  </p:clrMapOvr>
+</p:sld>
+</file>
+
+<file path=ppt/slides/slide5.xml><?xml version="1.0" encoding="utf-8"?>
+<p:sld xmlns:a="http://schemas.openxmlformats.org/drawingml/2006/main" xmlns:r="http://schemas.openxmlformats.org/officeDocument/2006/relationships" xmlns:p="http://schemas.openxmlformats.org/presentationml/2006/main">
+  <p:cSld>
+    <p:spTree>
+      <p:nvGrpSpPr>
+        <p:cNvPr id="1" name=""/>
+        <p:cNvGrpSpPr/>
+        <p:nvPr/>
+      </p:nvGrpSpPr>
+      <p:grpSpPr>
+        <a:xfrm>
+          <a:off x="0" y="0"/>
+          <a:ext cx="0" cy="0"/>
+          <a:chOff x="0" y="0"/>
+          <a:chExt cx="0" cy="0"/>
+        </a:xfrm>
+      </p:grpSpPr>
       <p:sp>
         <p:nvSpPr>
           <p:cNvPr id="3" name="TextBox 2">
@@ -9853,7 +10291,7 @@
 </p:sld>
 </file>
 
-<file path=ppt/slides/slide5.xml><?xml version="1.0" encoding="utf-8"?>
+<file path=ppt/slides/slide6.xml><?xml version="1.0" encoding="utf-8"?>
 <p:sld xmlns:a="http://schemas.openxmlformats.org/drawingml/2006/main" xmlns:r="http://schemas.openxmlformats.org/officeDocument/2006/relationships" xmlns:p="http://schemas.openxmlformats.org/presentationml/2006/main">
   <p:cSld>
     <p:spTree>
@@ -10395,7 +10833,7 @@
 </p:sld>
 </file>
 
-<file path=ppt/slides/slide6.xml><?xml version="1.0" encoding="utf-8"?>
+<file path=ppt/slides/slide7.xml><?xml version="1.0" encoding="utf-8"?>
 <p:sld xmlns:a="http://schemas.openxmlformats.org/drawingml/2006/main" xmlns:r="http://schemas.openxmlformats.org/officeDocument/2006/relationships" xmlns:p="http://schemas.openxmlformats.org/presentationml/2006/main">
   <p:cSld>
     <p:spTree>
@@ -10525,7 +10963,7 @@
 </p:sld>
 </file>
 
-<file path=ppt/slides/slide7.xml><?xml version="1.0" encoding="utf-8"?>
+<file path=ppt/slides/slide8.xml><?xml version="1.0" encoding="utf-8"?>
 <p:sld xmlns:a="http://schemas.openxmlformats.org/drawingml/2006/main" xmlns:r="http://schemas.openxmlformats.org/officeDocument/2006/relationships" xmlns:p="http://schemas.openxmlformats.org/presentationml/2006/main">
   <p:cSld>
     <p:spTree>
@@ -10654,7 +11092,7 @@
 </p:sld>
 </file>
 
-<file path=ppt/slides/slide8.xml><?xml version="1.0" encoding="utf-8"?>
+<file path=ppt/slides/slide9.xml><?xml version="1.0" encoding="utf-8"?>
 <p:sld xmlns:a="http://schemas.openxmlformats.org/drawingml/2006/main" xmlns:r="http://schemas.openxmlformats.org/officeDocument/2006/relationships" xmlns:p="http://schemas.openxmlformats.org/presentationml/2006/main">
   <p:cSld>
     <p:spTree>
@@ -10991,166 +11429,6 @@
     <p:extLst>
       <p:ext uri="{BB962C8B-B14F-4D97-AF65-F5344CB8AC3E}">
         <p14:creationId xmlns:p14="http://schemas.microsoft.com/office/powerpoint/2010/main" val="405714687"/>
-      </p:ext>
-    </p:extLst>
-  </p:cSld>
-  <p:clrMapOvr>
-    <a:masterClrMapping/>
-  </p:clrMapOvr>
-</p:sld>
-</file>
-
-<file path=ppt/slides/slide9.xml><?xml version="1.0" encoding="utf-8"?>
-<p:sld xmlns:a="http://schemas.openxmlformats.org/drawingml/2006/main" xmlns:r="http://schemas.openxmlformats.org/officeDocument/2006/relationships" xmlns:p="http://schemas.openxmlformats.org/presentationml/2006/main">
-  <p:cSld>
-    <p:spTree>
-      <p:nvGrpSpPr>
-        <p:cNvPr id="1" name=""/>
-        <p:cNvGrpSpPr/>
-        <p:nvPr/>
-      </p:nvGrpSpPr>
-      <p:grpSpPr>
-        <a:xfrm>
-          <a:off x="0" y="0"/>
-          <a:ext cx="0" cy="0"/>
-          <a:chOff x="0" y="0"/>
-          <a:chExt cx="0" cy="0"/>
-        </a:xfrm>
-      </p:grpSpPr>
-      <p:pic>
-        <p:nvPicPr>
-          <p:cNvPr id="3" name="Picture 2">
-            <a:extLst>
-              <a:ext uri="{FF2B5EF4-FFF2-40B4-BE49-F238E27FC236}">
-                <a16:creationId xmlns:a16="http://schemas.microsoft.com/office/drawing/2014/main" id="{8AABB5C0-982C-B222-4FB4-6F75DA2CF11D}"/>
-              </a:ext>
-            </a:extLst>
-          </p:cNvPr>
-          <p:cNvPicPr>
-            <a:picLocks noChangeAspect="1"/>
-          </p:cNvPicPr>
-          <p:nvPr/>
-        </p:nvPicPr>
-        <p:blipFill>
-          <a:blip r:embed="rId2"/>
-          <a:stretch>
-            <a:fillRect/>
-          </a:stretch>
-        </p:blipFill>
-        <p:spPr>
-          <a:xfrm>
-            <a:off x="6238156" y="979493"/>
-            <a:ext cx="4516699" cy="5175245"/>
-          </a:xfrm>
-          <a:prstGeom prst="rect">
-            <a:avLst/>
-          </a:prstGeom>
-        </p:spPr>
-      </p:pic>
-      <p:pic>
-        <p:nvPicPr>
-          <p:cNvPr id="5" name="Picture 4">
-            <a:extLst>
-              <a:ext uri="{FF2B5EF4-FFF2-40B4-BE49-F238E27FC236}">
-                <a16:creationId xmlns:a16="http://schemas.microsoft.com/office/drawing/2014/main" id="{1E00E7F6-A69A-BD54-7A76-6AB232D0811C}"/>
-              </a:ext>
-            </a:extLst>
-          </p:cNvPr>
-          <p:cNvPicPr>
-            <a:picLocks noChangeAspect="1"/>
-          </p:cNvPicPr>
-          <p:nvPr/>
-        </p:nvPicPr>
-        <p:blipFill>
-          <a:blip r:embed="rId3"/>
-          <a:stretch>
-            <a:fillRect/>
-          </a:stretch>
-        </p:blipFill>
-        <p:spPr>
-          <a:xfrm>
-            <a:off x="1216498" y="979493"/>
-            <a:ext cx="4632359" cy="5112950"/>
-          </a:xfrm>
-          <a:prstGeom prst="rect">
-            <a:avLst/>
-          </a:prstGeom>
-        </p:spPr>
-      </p:pic>
-      <p:sp>
-        <p:nvSpPr>
-          <p:cNvPr id="7" name="TextBox 6">
-            <a:extLst>
-              <a:ext uri="{FF2B5EF4-FFF2-40B4-BE49-F238E27FC236}">
-                <a16:creationId xmlns:a16="http://schemas.microsoft.com/office/drawing/2014/main" id="{D6E450E1-7246-E506-CBC2-BEC56BAA1229}"/>
-              </a:ext>
-            </a:extLst>
-          </p:cNvPr>
-          <p:cNvSpPr txBox="1"/>
-          <p:nvPr/>
-        </p:nvSpPr>
-        <p:spPr>
-          <a:xfrm>
-            <a:off x="2324237" y="391558"/>
-            <a:ext cx="2170125" cy="369332"/>
-          </a:xfrm>
-          <a:prstGeom prst="rect">
-            <a:avLst/>
-          </a:prstGeom>
-          <a:noFill/>
-        </p:spPr>
-        <p:txBody>
-          <a:bodyPr wrap="square">
-            <a:spAutoFit/>
-          </a:bodyPr>
-          <a:lstStyle/>
-          <a:p>
-            <a:r>
-              <a:rPr lang="en-CA" sz="1800" dirty="0"/>
-              <a:t>Accuracy : 76</a:t>
-            </a:r>
-          </a:p>
-        </p:txBody>
-      </p:sp>
-      <p:sp>
-        <p:nvSpPr>
-          <p:cNvPr id="9" name="TextBox 8">
-            <a:extLst>
-              <a:ext uri="{FF2B5EF4-FFF2-40B4-BE49-F238E27FC236}">
-                <a16:creationId xmlns:a16="http://schemas.microsoft.com/office/drawing/2014/main" id="{6A36E3EF-798E-CA53-D70A-58492C133A48}"/>
-              </a:ext>
-            </a:extLst>
-          </p:cNvPr>
-          <p:cNvSpPr txBox="1"/>
-          <p:nvPr/>
-        </p:nvSpPr>
-        <p:spPr>
-          <a:xfrm>
-            <a:off x="7351862" y="391558"/>
-            <a:ext cx="2289288" cy="369332"/>
-          </a:xfrm>
-          <a:prstGeom prst="rect">
-            <a:avLst/>
-          </a:prstGeom>
-          <a:noFill/>
-        </p:spPr>
-        <p:txBody>
-          <a:bodyPr wrap="square">
-            <a:spAutoFit/>
-          </a:bodyPr>
-          <a:lstStyle/>
-          <a:p>
-            <a:r>
-              <a:rPr lang="en-CA" sz="1800" dirty="0"/>
-              <a:t>Accuracy : 79</a:t>
-            </a:r>
-          </a:p>
-        </p:txBody>
-      </p:sp>
-    </p:spTree>
-    <p:extLst>
-      <p:ext uri="{BB962C8B-B14F-4D97-AF65-F5344CB8AC3E}">
-        <p14:creationId xmlns:p14="http://schemas.microsoft.com/office/powerpoint/2010/main" val="1885295554"/>
       </p:ext>
     </p:extLst>
   </p:cSld>
@@ -11446,15 +11724,6 @@
 </file>
 
 <file path=customXml/item1.xml><?xml version="1.0" encoding="utf-8"?>
-<?mso-contentType ?>
-<FormTemplates xmlns="http://schemas.microsoft.com/sharepoint/v3/contenttype/forms">
-  <Display>DocumentLibraryForm</Display>
-  <Edit>DocumentLibraryForm</Edit>
-  <New>DocumentLibraryForm</New>
-</FormTemplates>
-</file>
-
-<file path=customXml/item2.xml><?xml version="1.0" encoding="utf-8"?>
 <ct:contentTypeSchema xmlns:ct="http://schemas.microsoft.com/office/2006/metadata/contentType" xmlns:ma="http://schemas.microsoft.com/office/2006/metadata/properties/metaAttributes" ct:_="" ma:_="" ma:contentTypeName="Document" ma:contentTypeID="0x0101005224C738B72E984EA9E9AEA4A9AE6649" ma:contentTypeVersion="3" ma:contentTypeDescription="Create a new document." ma:contentTypeScope="" ma:versionID="d83eef6495e238fa4c3e721575ed26d9">
   <xsd:schema xmlns:xsd="http://www.w3.org/2001/XMLSchema" xmlns:xs="http://www.w3.org/2001/XMLSchema" xmlns:p="http://schemas.microsoft.com/office/2006/metadata/properties" xmlns:ns3="2252c679-80cc-4430-b610-257fa10daf35" targetNamespace="http://schemas.microsoft.com/office/2006/metadata/properties" ma:root="true" ma:fieldsID="f8c2a44eab6bd530dc9efc758a34065d" ns3:_="">
     <xsd:import namespace="2252c679-80cc-4430-b610-257fa10daf35"/>
@@ -11592,6 +11861,15 @@
 </ct:contentTypeSchema>
 </file>
 
+<file path=customXml/item2.xml><?xml version="1.0" encoding="utf-8"?>
+<?mso-contentType ?>
+<FormTemplates xmlns="http://schemas.microsoft.com/sharepoint/v3/contenttype/forms">
+  <Display>DocumentLibraryForm</Display>
+  <Edit>DocumentLibraryForm</Edit>
+  <New>DocumentLibraryForm</New>
+</FormTemplates>
+</file>
+
 <file path=customXml/item3.xml><?xml version="1.0" encoding="utf-8"?>
 <p:properties xmlns:p="http://schemas.microsoft.com/office/2006/metadata/properties" xmlns:xsi="http://www.w3.org/2001/XMLSchema-instance" xmlns:pc="http://schemas.microsoft.com/office/infopath/2007/PartnerControls">
   <documentManagement/>
@@ -11599,14 +11877,6 @@
 </file>
 
 <file path=customXml/itemProps1.xml><?xml version="1.0" encoding="utf-8"?>
-<ds:datastoreItem xmlns:ds="http://schemas.openxmlformats.org/officeDocument/2006/customXml" ds:itemID="{07FD76EB-2FB2-48EE-A70C-BD1C5D5336C1}">
-  <ds:schemaRefs>
-    <ds:schemaRef ds:uri="http://schemas.microsoft.com/sharepoint/v3/contenttype/forms"/>
-  </ds:schemaRefs>
-</ds:datastoreItem>
-</file>
-
-<file path=customXml/itemProps2.xml><?xml version="1.0" encoding="utf-8"?>
 <ds:datastoreItem xmlns:ds="http://schemas.openxmlformats.org/officeDocument/2006/customXml" ds:itemID="{DFE0CD2B-3418-436A-ADEE-03BFF05932F0}">
   <ds:schemaRefs>
     <ds:schemaRef ds:uri="http://schemas.microsoft.com/office/2006/metadata/contentType"/>
@@ -11624,18 +11894,26 @@
 </ds:datastoreItem>
 </file>
 
+<file path=customXml/itemProps2.xml><?xml version="1.0" encoding="utf-8"?>
+<ds:datastoreItem xmlns:ds="http://schemas.openxmlformats.org/officeDocument/2006/customXml" ds:itemID="{07FD76EB-2FB2-48EE-A70C-BD1C5D5336C1}">
+  <ds:schemaRefs>
+    <ds:schemaRef ds:uri="http://schemas.microsoft.com/sharepoint/v3/contenttype/forms"/>
+  </ds:schemaRefs>
+</ds:datastoreItem>
+</file>
+
 <file path=customXml/itemProps3.xml><?xml version="1.0" encoding="utf-8"?>
 <ds:datastoreItem xmlns:ds="http://schemas.openxmlformats.org/officeDocument/2006/customXml" ds:itemID="{61F00035-FF2D-4F0B-B0D8-47C54ABB314D}">
   <ds:schemaRefs>
+    <ds:schemaRef ds:uri="2252c679-80cc-4430-b610-257fa10daf35"/>
+    <ds:schemaRef ds:uri="http://schemas.microsoft.com/office/infopath/2007/PartnerControls"/>
+    <ds:schemaRef ds:uri="http://purl.org/dc/elements/1.1/"/>
+    <ds:schemaRef ds:uri="http://schemas.microsoft.com/office/2006/metadata/properties"/>
+    <ds:schemaRef ds:uri="http://schemas.openxmlformats.org/package/2006/metadata/core-properties"/>
+    <ds:schemaRef ds:uri="http://schemas.microsoft.com/office/2006/documentManagement/types"/>
+    <ds:schemaRef ds:uri="http://purl.org/dc/terms/"/>
+    <ds:schemaRef ds:uri="http://www.w3.org/XML/1998/namespace"/>
     <ds:schemaRef ds:uri="http://purl.org/dc/dcmitype/"/>
-    <ds:schemaRef ds:uri="2252c679-80cc-4430-b610-257fa10daf35"/>
-    <ds:schemaRef ds:uri="http://schemas.microsoft.com/office/2006/metadata/properties"/>
-    <ds:schemaRef ds:uri="http://schemas.microsoft.com/office/infopath/2007/PartnerControls"/>
-    <ds:schemaRef ds:uri="http://schemas.microsoft.com/office/2006/documentManagement/types"/>
-    <ds:schemaRef ds:uri="http://purl.org/dc/elements/1.1/"/>
-    <ds:schemaRef ds:uri="http://schemas.openxmlformats.org/package/2006/metadata/core-properties"/>
-    <ds:schemaRef ds:uri="http://www.w3.org/XML/1998/namespace"/>
-    <ds:schemaRef ds:uri="http://purl.org/dc/terms/"/>
   </ds:schemaRefs>
 </ds:datastoreItem>
 </file>